--- a/presentations/requirments_specification.pptx
+++ b/presentations/requirments_specification.pptx
@@ -5,14 +5,18 @@
     <p:sldMasterId id="2147483660" r:id="rId1"/>
   </p:sldMasterIdLst>
   <p:notesMasterIdLst>
-    <p:notesMasterId r:id="rId7"/>
+    <p:notesMasterId r:id="rId11"/>
   </p:notesMasterIdLst>
   <p:sldIdLst>
     <p:sldId id="256" r:id="rId2"/>
-    <p:sldId id="258" r:id="rId3"/>
-    <p:sldId id="259" r:id="rId4"/>
-    <p:sldId id="260" r:id="rId5"/>
-    <p:sldId id="257" r:id="rId6"/>
+    <p:sldId id="262" r:id="rId3"/>
+    <p:sldId id="268" r:id="rId4"/>
+    <p:sldId id="269" r:id="rId5"/>
+    <p:sldId id="271" r:id="rId6"/>
+    <p:sldId id="272" r:id="rId7"/>
+    <p:sldId id="270" r:id="rId8"/>
+    <p:sldId id="267" r:id="rId9"/>
+    <p:sldId id="264" r:id="rId10"/>
   </p:sldIdLst>
   <p:sldSz cx="9144000" cy="6858000" type="screen4x3"/>
   <p:notesSz cx="6858000" cy="9144000"/>
@@ -196,7 +200,8 @@
           <a:p>
             <a:fld id="{B08092EC-8E56-4A24-8D8B-2C973BBFE7F4}" type="datetimeFigureOut">
               <a:rPr lang="de-DE" smtClean="0"/>
-              <a:t>28.04.2015</a:t>
+              <a:pPr/>
+              <a:t>05.05.2015</a:t>
             </a:fld>
             <a:endParaRPr lang="de-DE"/>
           </a:p>
@@ -357,6 +362,7 @@
           <a:p>
             <a:fld id="{C78F6094-CD82-4E96-A342-797CD108DB01}" type="slidenum">
               <a:rPr lang="de-DE" smtClean="0"/>
+              <a:pPr/>
               <a:t>‹Nr.›</a:t>
             </a:fld>
             <a:endParaRPr lang="de-DE"/>
@@ -461,6 +467,456 @@
 </p:notesMaster>
 </file>
 
+<file path=ppt/notesSlides/notesSlide1.xml><?xml version="1.0" encoding="utf-8"?>
+<p:notes xmlns:a="http://schemas.openxmlformats.org/drawingml/2006/main" xmlns:r="http://schemas.openxmlformats.org/officeDocument/2006/relationships" xmlns:p="http://schemas.openxmlformats.org/presentationml/2006/main">
+  <p:cSld>
+    <p:spTree>
+      <p:nvGrpSpPr>
+        <p:cNvPr id="1" name=""/>
+        <p:cNvGrpSpPr/>
+        <p:nvPr/>
+      </p:nvGrpSpPr>
+      <p:grpSpPr>
+        <a:xfrm>
+          <a:off x="0" y="0"/>
+          <a:ext cx="0" cy="0"/>
+          <a:chOff x="0" y="0"/>
+          <a:chExt cx="0" cy="0"/>
+        </a:xfrm>
+      </p:grpSpPr>
+      <p:sp>
+        <p:nvSpPr>
+          <p:cNvPr id="2" name="Folienbildplatzhalter 1"/>
+          <p:cNvSpPr>
+            <a:spLocks noGrp="1" noRot="1" noChangeAspect="1"/>
+          </p:cNvSpPr>
+          <p:nvPr>
+            <p:ph type="sldImg"/>
+          </p:nvPr>
+        </p:nvSpPr>
+        <p:spPr/>
+      </p:sp>
+      <p:sp>
+        <p:nvSpPr>
+          <p:cNvPr id="3" name="Notizenplatzhalter 2"/>
+          <p:cNvSpPr>
+            <a:spLocks noGrp="1"/>
+          </p:cNvSpPr>
+          <p:nvPr>
+            <p:ph type="body" idx="1"/>
+          </p:nvPr>
+        </p:nvSpPr>
+        <p:spPr/>
+        <p:txBody>
+          <a:bodyPr>
+            <a:normAutofit/>
+          </a:bodyPr>
+          <a:lstStyle/>
+          <a:p>
+            <a:r>
+              <a:rPr lang="en-US" dirty="0" smtClean="0"/>
+              <a:t>Companies maintain</a:t>
+            </a:r>
+            <a:r>
+              <a:rPr lang="en-US" baseline="0" dirty="0" smtClean="0"/>
+              <a:t> and exchange data about other companies: </a:t>
+            </a:r>
+            <a:r>
+              <a:rPr lang="en-US" baseline="0" noProof="0" dirty="0" smtClean="0"/>
+              <a:t>organization </a:t>
+            </a:r>
+            <a:r>
+              <a:rPr lang="en-US" baseline="0" dirty="0" smtClean="0"/>
+              <a:t>structure, contact data, etc</a:t>
+            </a:r>
+            <a:endParaRPr lang="de-DE" dirty="0"/>
+          </a:p>
+        </p:txBody>
+      </p:sp>
+      <p:sp>
+        <p:nvSpPr>
+          <p:cNvPr id="4" name="Foliennummernplatzhalter 3"/>
+          <p:cNvSpPr>
+            <a:spLocks noGrp="1"/>
+          </p:cNvSpPr>
+          <p:nvPr>
+            <p:ph type="sldNum" sz="quarter" idx="10"/>
+          </p:nvPr>
+        </p:nvSpPr>
+        <p:spPr/>
+        <p:txBody>
+          <a:bodyPr/>
+          <a:lstStyle/>
+          <a:p>
+            <a:fld id="{C78F6094-CD82-4E96-A342-797CD108DB01}" type="slidenum">
+              <a:rPr lang="de-DE" smtClean="0"/>
+              <a:pPr/>
+              <a:t>2</a:t>
+            </a:fld>
+            <a:endParaRPr lang="de-DE"/>
+          </a:p>
+        </p:txBody>
+      </p:sp>
+    </p:spTree>
+  </p:cSld>
+  <p:clrMapOvr>
+    <a:masterClrMapping/>
+  </p:clrMapOvr>
+</p:notes>
+</file>
+
+<file path=ppt/notesSlides/notesSlide2.xml><?xml version="1.0" encoding="utf-8"?>
+<p:notes xmlns:a="http://schemas.openxmlformats.org/drawingml/2006/main" xmlns:r="http://schemas.openxmlformats.org/officeDocument/2006/relationships" xmlns:p="http://schemas.openxmlformats.org/presentationml/2006/main">
+  <p:cSld>
+    <p:spTree>
+      <p:nvGrpSpPr>
+        <p:cNvPr id="1" name=""/>
+        <p:cNvGrpSpPr/>
+        <p:nvPr/>
+      </p:nvGrpSpPr>
+      <p:grpSpPr>
+        <a:xfrm>
+          <a:off x="0" y="0"/>
+          <a:ext cx="0" cy="0"/>
+          <a:chOff x="0" y="0"/>
+          <a:chExt cx="0" cy="0"/>
+        </a:xfrm>
+      </p:grpSpPr>
+      <p:sp>
+        <p:nvSpPr>
+          <p:cNvPr id="2" name="Folienbildplatzhalter 1"/>
+          <p:cNvSpPr>
+            <a:spLocks noGrp="1" noRot="1" noChangeAspect="1"/>
+          </p:cNvSpPr>
+          <p:nvPr>
+            <p:ph type="sldImg"/>
+          </p:nvPr>
+        </p:nvSpPr>
+        <p:spPr/>
+      </p:sp>
+      <p:sp>
+        <p:nvSpPr>
+          <p:cNvPr id="3" name="Notizenplatzhalter 2"/>
+          <p:cNvSpPr>
+            <a:spLocks noGrp="1"/>
+          </p:cNvSpPr>
+          <p:nvPr>
+            <p:ph type="body" idx="1"/>
+          </p:nvPr>
+        </p:nvSpPr>
+        <p:spPr/>
+        <p:txBody>
+          <a:bodyPr>
+            <a:normAutofit/>
+          </a:bodyPr>
+          <a:lstStyle/>
+          <a:p>
+            <a:r>
+              <a:rPr lang="en-US" dirty="0" smtClean="0"/>
+              <a:t>Many of this companies already</a:t>
+            </a:r>
+            <a:r>
+              <a:rPr lang="en-US" baseline="0" dirty="0" smtClean="0"/>
+              <a:t> use salesforce as Cloud CRM system</a:t>
+            </a:r>
+            <a:endParaRPr lang="de-DE" dirty="0"/>
+          </a:p>
+        </p:txBody>
+      </p:sp>
+      <p:sp>
+        <p:nvSpPr>
+          <p:cNvPr id="4" name="Foliennummernplatzhalter 3"/>
+          <p:cNvSpPr>
+            <a:spLocks noGrp="1"/>
+          </p:cNvSpPr>
+          <p:nvPr>
+            <p:ph type="sldNum" sz="quarter" idx="10"/>
+          </p:nvPr>
+        </p:nvSpPr>
+        <p:spPr/>
+        <p:txBody>
+          <a:bodyPr/>
+          <a:lstStyle/>
+          <a:p>
+            <a:fld id="{C78F6094-CD82-4E96-A342-797CD108DB01}" type="slidenum">
+              <a:rPr lang="de-DE" smtClean="0"/>
+              <a:pPr/>
+              <a:t>3</a:t>
+            </a:fld>
+            <a:endParaRPr lang="de-DE"/>
+          </a:p>
+        </p:txBody>
+      </p:sp>
+    </p:spTree>
+  </p:cSld>
+  <p:clrMapOvr>
+    <a:masterClrMapping/>
+  </p:clrMapOvr>
+</p:notes>
+</file>
+
+<file path=ppt/notesSlides/notesSlide3.xml><?xml version="1.0" encoding="utf-8"?>
+<p:notes xmlns:a="http://schemas.openxmlformats.org/drawingml/2006/main" xmlns:r="http://schemas.openxmlformats.org/officeDocument/2006/relationships" xmlns:p="http://schemas.openxmlformats.org/presentationml/2006/main">
+  <p:cSld>
+    <p:spTree>
+      <p:nvGrpSpPr>
+        <p:cNvPr id="1" name=""/>
+        <p:cNvGrpSpPr/>
+        <p:nvPr/>
+      </p:nvGrpSpPr>
+      <p:grpSpPr>
+        <a:xfrm>
+          <a:off x="0" y="0"/>
+          <a:ext cx="0" cy="0"/>
+          <a:chOff x="0" y="0"/>
+          <a:chExt cx="0" cy="0"/>
+        </a:xfrm>
+      </p:grpSpPr>
+      <p:sp>
+        <p:nvSpPr>
+          <p:cNvPr id="2" name="Folienbildplatzhalter 1"/>
+          <p:cNvSpPr>
+            <a:spLocks noGrp="1" noRot="1" noChangeAspect="1"/>
+          </p:cNvSpPr>
+          <p:nvPr>
+            <p:ph type="sldImg"/>
+          </p:nvPr>
+        </p:nvSpPr>
+        <p:spPr/>
+      </p:sp>
+      <p:sp>
+        <p:nvSpPr>
+          <p:cNvPr id="3" name="Notizenplatzhalter 2"/>
+          <p:cNvSpPr>
+            <a:spLocks noGrp="1"/>
+          </p:cNvSpPr>
+          <p:nvPr>
+            <p:ph type="body" idx="1"/>
+          </p:nvPr>
+        </p:nvSpPr>
+        <p:spPr/>
+        <p:txBody>
+          <a:bodyPr>
+            <a:normAutofit/>
+          </a:bodyPr>
+          <a:lstStyle/>
+          <a:p>
+            <a:r>
+              <a:rPr lang="en-US" dirty="0" smtClean="0"/>
+              <a:t>We want to extend</a:t>
+            </a:r>
+            <a:r>
+              <a:rPr lang="en-US" baseline="0" dirty="0" smtClean="0"/>
+              <a:t> the Salesforce API with RDF support and make the data exchange easier</a:t>
+            </a:r>
+            <a:endParaRPr lang="de-DE" dirty="0"/>
+          </a:p>
+        </p:txBody>
+      </p:sp>
+      <p:sp>
+        <p:nvSpPr>
+          <p:cNvPr id="4" name="Foliennummernplatzhalter 3"/>
+          <p:cNvSpPr>
+            <a:spLocks noGrp="1"/>
+          </p:cNvSpPr>
+          <p:nvPr>
+            <p:ph type="sldNum" sz="quarter" idx="10"/>
+          </p:nvPr>
+        </p:nvSpPr>
+        <p:spPr/>
+        <p:txBody>
+          <a:bodyPr/>
+          <a:lstStyle/>
+          <a:p>
+            <a:fld id="{C78F6094-CD82-4E96-A342-797CD108DB01}" type="slidenum">
+              <a:rPr lang="de-DE" smtClean="0"/>
+              <a:pPr/>
+              <a:t>4</a:t>
+            </a:fld>
+            <a:endParaRPr lang="de-DE"/>
+          </a:p>
+        </p:txBody>
+      </p:sp>
+    </p:spTree>
+  </p:cSld>
+  <p:clrMapOvr>
+    <a:masterClrMapping/>
+  </p:clrMapOvr>
+</p:notes>
+</file>
+
+<file path=ppt/notesSlides/notesSlide4.xml><?xml version="1.0" encoding="utf-8"?>
+<p:notes xmlns:a="http://schemas.openxmlformats.org/drawingml/2006/main" xmlns:r="http://schemas.openxmlformats.org/officeDocument/2006/relationships" xmlns:p="http://schemas.openxmlformats.org/presentationml/2006/main">
+  <p:cSld>
+    <p:spTree>
+      <p:nvGrpSpPr>
+        <p:cNvPr id="1" name=""/>
+        <p:cNvGrpSpPr/>
+        <p:nvPr/>
+      </p:nvGrpSpPr>
+      <p:grpSpPr>
+        <a:xfrm>
+          <a:off x="0" y="0"/>
+          <a:ext cx="0" cy="0"/>
+          <a:chOff x="0" y="0"/>
+          <a:chExt cx="0" cy="0"/>
+        </a:xfrm>
+      </p:grpSpPr>
+      <p:sp>
+        <p:nvSpPr>
+          <p:cNvPr id="2" name="Folienbildplatzhalter 1"/>
+          <p:cNvSpPr>
+            <a:spLocks noGrp="1" noRot="1" noChangeAspect="1"/>
+          </p:cNvSpPr>
+          <p:nvPr>
+            <p:ph type="sldImg"/>
+          </p:nvPr>
+        </p:nvSpPr>
+        <p:spPr/>
+      </p:sp>
+      <p:sp>
+        <p:nvSpPr>
+          <p:cNvPr id="3" name="Notizenplatzhalter 2"/>
+          <p:cNvSpPr>
+            <a:spLocks noGrp="1"/>
+          </p:cNvSpPr>
+          <p:nvPr>
+            <p:ph type="body" idx="1"/>
+          </p:nvPr>
+        </p:nvSpPr>
+        <p:spPr/>
+        <p:txBody>
+          <a:bodyPr>
+            <a:normAutofit/>
+          </a:bodyPr>
+          <a:lstStyle/>
+          <a:p>
+            <a:r>
+              <a:rPr lang="en-US" dirty="0" smtClean="0"/>
+              <a:t>The</a:t>
+            </a:r>
+            <a:r>
+              <a:rPr lang="en-US" baseline="0" dirty="0" smtClean="0"/>
+              <a:t> API is very rich and we can not provide the implementation for all models. We agreed with our mentor to concentrate on Sales Objects</a:t>
+            </a:r>
+            <a:endParaRPr lang="de-DE" dirty="0"/>
+          </a:p>
+        </p:txBody>
+      </p:sp>
+      <p:sp>
+        <p:nvSpPr>
+          <p:cNvPr id="4" name="Foliennummernplatzhalter 3"/>
+          <p:cNvSpPr>
+            <a:spLocks noGrp="1"/>
+          </p:cNvSpPr>
+          <p:nvPr>
+            <p:ph type="sldNum" sz="quarter" idx="10"/>
+          </p:nvPr>
+        </p:nvSpPr>
+        <p:spPr/>
+        <p:txBody>
+          <a:bodyPr/>
+          <a:lstStyle/>
+          <a:p>
+            <a:fld id="{C78F6094-CD82-4E96-A342-797CD108DB01}" type="slidenum">
+              <a:rPr lang="de-DE" smtClean="0"/>
+              <a:pPr/>
+              <a:t>5</a:t>
+            </a:fld>
+            <a:endParaRPr lang="de-DE"/>
+          </a:p>
+        </p:txBody>
+      </p:sp>
+    </p:spTree>
+  </p:cSld>
+  <p:clrMapOvr>
+    <a:masterClrMapping/>
+  </p:clrMapOvr>
+</p:notes>
+</file>
+
+<file path=ppt/notesSlides/notesSlide5.xml><?xml version="1.0" encoding="utf-8"?>
+<p:notes xmlns:a="http://schemas.openxmlformats.org/drawingml/2006/main" xmlns:r="http://schemas.openxmlformats.org/officeDocument/2006/relationships" xmlns:p="http://schemas.openxmlformats.org/presentationml/2006/main">
+  <p:cSld>
+    <p:spTree>
+      <p:nvGrpSpPr>
+        <p:cNvPr id="1" name=""/>
+        <p:cNvGrpSpPr/>
+        <p:nvPr/>
+      </p:nvGrpSpPr>
+      <p:grpSpPr>
+        <a:xfrm>
+          <a:off x="0" y="0"/>
+          <a:ext cx="0" cy="0"/>
+          <a:chOff x="0" y="0"/>
+          <a:chExt cx="0" cy="0"/>
+        </a:xfrm>
+      </p:grpSpPr>
+      <p:sp>
+        <p:nvSpPr>
+          <p:cNvPr id="2" name="Folienbildplatzhalter 1"/>
+          <p:cNvSpPr>
+            <a:spLocks noGrp="1" noRot="1" noChangeAspect="1"/>
+          </p:cNvSpPr>
+          <p:nvPr>
+            <p:ph type="sldImg"/>
+          </p:nvPr>
+        </p:nvSpPr>
+        <p:spPr/>
+      </p:sp>
+      <p:sp>
+        <p:nvSpPr>
+          <p:cNvPr id="3" name="Notizenplatzhalter 2"/>
+          <p:cNvSpPr>
+            <a:spLocks noGrp="1"/>
+          </p:cNvSpPr>
+          <p:nvPr>
+            <p:ph type="body" idx="1"/>
+          </p:nvPr>
+        </p:nvSpPr>
+        <p:spPr/>
+        <p:txBody>
+          <a:bodyPr>
+            <a:normAutofit/>
+          </a:bodyPr>
+          <a:lstStyle/>
+          <a:p>
+            <a:endParaRPr lang="de-DE" dirty="0"/>
+          </a:p>
+        </p:txBody>
+      </p:sp>
+      <p:sp>
+        <p:nvSpPr>
+          <p:cNvPr id="4" name="Foliennummernplatzhalter 3"/>
+          <p:cNvSpPr>
+            <a:spLocks noGrp="1"/>
+          </p:cNvSpPr>
+          <p:nvPr>
+            <p:ph type="sldNum" sz="quarter" idx="10"/>
+          </p:nvPr>
+        </p:nvSpPr>
+        <p:spPr/>
+        <p:txBody>
+          <a:bodyPr/>
+          <a:lstStyle/>
+          <a:p>
+            <a:fld id="{C78F6094-CD82-4E96-A342-797CD108DB01}" type="slidenum">
+              <a:rPr lang="de-DE" smtClean="0"/>
+              <a:pPr/>
+              <a:t>6</a:t>
+            </a:fld>
+            <a:endParaRPr lang="de-DE"/>
+          </a:p>
+        </p:txBody>
+      </p:sp>
+    </p:spTree>
+  </p:cSld>
+  <p:clrMapOvr>
+    <a:masterClrMapping/>
+  </p:clrMapOvr>
+</p:notes>
+</file>
+
 <file path=ppt/slideLayouts/slideLayout1.xml><?xml version="1.0" encoding="utf-8"?>
 <p:sldLayout xmlns:a="http://schemas.openxmlformats.org/drawingml/2006/main" xmlns:r="http://schemas.openxmlformats.org/officeDocument/2006/relationships" xmlns:p="http://schemas.openxmlformats.org/presentationml/2006/main" type="title" preserve="1">
   <p:cSld name="Titelfolie">
@@ -642,7 +1098,8 @@
           <a:p>
             <a:fld id="{2CD0C98A-D391-4277-B9AF-AF382C7B68CA}" type="datetime1">
               <a:rPr lang="de-DE" smtClean="0"/>
-              <a:t>28.04.2015</a:t>
+              <a:pPr/>
+              <a:t>05.05.2015</a:t>
             </a:fld>
             <a:endParaRPr lang="de-DE"/>
           </a:p>
@@ -808,7 +1265,8 @@
           <a:p>
             <a:fld id="{D14B30ED-D477-43A3-8A93-3ED1716AA5FB}" type="datetime1">
               <a:rPr lang="de-DE" smtClean="0"/>
-              <a:t>28.04.2015</a:t>
+              <a:pPr/>
+              <a:t>05.05.2015</a:t>
             </a:fld>
             <a:endParaRPr lang="de-DE"/>
           </a:p>
@@ -984,7 +1442,8 @@
           <a:p>
             <a:fld id="{8AF46EB0-3DA6-4224-AC55-5194E333B695}" type="datetime1">
               <a:rPr lang="de-DE" smtClean="0"/>
-              <a:t>28.04.2015</a:t>
+              <a:pPr/>
+              <a:t>05.05.2015</a:t>
             </a:fld>
             <a:endParaRPr lang="de-DE"/>
           </a:p>
@@ -1150,7 +1609,8 @@
           <a:p>
             <a:fld id="{8D1346F0-E8D5-446D-A977-27CCD0D323D6}" type="datetime1">
               <a:rPr lang="de-DE" smtClean="0"/>
-              <a:t>28.04.2015</a:t>
+              <a:pPr/>
+              <a:t>05.05.2015</a:t>
             </a:fld>
             <a:endParaRPr lang="de-DE"/>
           </a:p>
@@ -1392,7 +1852,8 @@
           <a:p>
             <a:fld id="{472CCB9C-5281-4016-BC00-39EAE936B1C1}" type="datetime1">
               <a:rPr lang="de-DE" smtClean="0"/>
-              <a:t>28.04.2015</a:t>
+              <a:pPr/>
+              <a:t>05.05.2015</a:t>
             </a:fld>
             <a:endParaRPr lang="de-DE"/>
           </a:p>
@@ -1676,7 +2137,8 @@
           <a:p>
             <a:fld id="{127EEE89-BFED-4068-B952-A62B7E322A6D}" type="datetime1">
               <a:rPr lang="de-DE" smtClean="0"/>
-              <a:t>28.04.2015</a:t>
+              <a:pPr/>
+              <a:t>05.05.2015</a:t>
             </a:fld>
             <a:endParaRPr lang="de-DE"/>
           </a:p>
@@ -2094,7 +2556,8 @@
           <a:p>
             <a:fld id="{F4EAA625-7AFA-403F-972C-96A7EFEA82A1}" type="datetime1">
               <a:rPr lang="de-DE" smtClean="0"/>
-              <a:t>28.04.2015</a:t>
+              <a:pPr/>
+              <a:t>05.05.2015</a:t>
             </a:fld>
             <a:endParaRPr lang="de-DE"/>
           </a:p>
@@ -2208,7 +2671,8 @@
           <a:p>
             <a:fld id="{A55C8147-3DEB-447F-921E-326D9904648F}" type="datetime1">
               <a:rPr lang="de-DE" smtClean="0"/>
-              <a:t>28.04.2015</a:t>
+              <a:pPr/>
+              <a:t>05.05.2015</a:t>
             </a:fld>
             <a:endParaRPr lang="de-DE"/>
           </a:p>
@@ -2299,7 +2763,8 @@
           <a:p>
             <a:fld id="{F842AB32-686A-43A9-952B-111EC1A79185}" type="datetime1">
               <a:rPr lang="de-DE" smtClean="0"/>
-              <a:t>28.04.2015</a:t>
+              <a:pPr/>
+              <a:t>05.05.2015</a:t>
             </a:fld>
             <a:endParaRPr lang="de-DE"/>
           </a:p>
@@ -2572,7 +3037,8 @@
           <a:p>
             <a:fld id="{52DD1D15-77A2-4428-8B1A-BAED870FA11A}" type="datetime1">
               <a:rPr lang="de-DE" smtClean="0"/>
-              <a:t>28.04.2015</a:t>
+              <a:pPr/>
+              <a:t>05.05.2015</a:t>
             </a:fld>
             <a:endParaRPr lang="de-DE"/>
           </a:p>
@@ -2821,7 +3287,8 @@
           <a:p>
             <a:fld id="{7921E177-0C97-4C3B-9E1D-F939B341A2F1}" type="datetime1">
               <a:rPr lang="de-DE" smtClean="0"/>
-              <a:t>28.04.2015</a:t>
+              <a:pPr/>
+              <a:t>05.05.2015</a:t>
             </a:fld>
             <a:endParaRPr lang="de-DE"/>
           </a:p>
@@ -3030,7 +3497,8 @@
           <a:p>
             <a:fld id="{37253459-4E2F-4BF3-B94E-9836C18E4D03}" type="datetime1">
               <a:rPr lang="de-DE" smtClean="0"/>
-              <a:t>28.04.2015</a:t>
+              <a:pPr/>
+              <a:t>05.05.2015</a:t>
             </a:fld>
             <a:endParaRPr lang="de-DE" dirty="0"/>
           </a:p>
@@ -3490,53 +3958,37 @@
           <a:lstStyle/>
           <a:p>
             <a:r>
-              <a:rPr lang="de-DE" b="1" dirty="0" err="1"/>
-              <a:t>Semantic</a:t>
-            </a:r>
-            <a:r>
-              <a:rPr lang="de-DE" b="1" dirty="0"/>
-              <a:t> RDF-</a:t>
-            </a:r>
-            <a:r>
-              <a:rPr lang="de-DE" b="1" dirty="0" err="1"/>
-              <a:t>to</a:t>
-            </a:r>
-            <a:r>
-              <a:rPr lang="de-DE" b="1" dirty="0"/>
-              <a:t>-</a:t>
-            </a:r>
-            <a:r>
-              <a:rPr lang="de-DE" b="1" dirty="0" err="1"/>
-              <a:t>Salesforce</a:t>
-            </a:r>
-            <a:r>
-              <a:rPr lang="de-DE" b="1" dirty="0"/>
+              <a:rPr lang="en-US" b="1" dirty="0" smtClean="0"/>
+              <a:t>Semantic RDF-to-Salesforce extension</a:t>
+            </a:r>
+            <a:endParaRPr lang="en-US" dirty="0"/>
+          </a:p>
+        </p:txBody>
+      </p:sp>
+      <p:sp>
+        <p:nvSpPr>
+          <p:cNvPr id="3" name="Untertitel 2"/>
+          <p:cNvSpPr>
+            <a:spLocks noGrp="1"/>
+          </p:cNvSpPr>
+          <p:nvPr>
+            <p:ph type="subTitle" idx="1"/>
+          </p:nvPr>
+        </p:nvSpPr>
+        <p:spPr/>
+        <p:txBody>
+          <a:bodyPr/>
+          <a:lstStyle/>
+          <a:p>
+            <a:r>
+              <a:rPr lang="de-DE" dirty="0" smtClean="0"/>
               <a:t> </a:t>
             </a:r>
             <a:r>
-              <a:rPr lang="de-DE" b="1" dirty="0" err="1"/>
-              <a:t>extension</a:t>
-            </a:r>
-            <a:endParaRPr lang="de-DE" dirty="0"/>
-          </a:p>
-        </p:txBody>
-      </p:sp>
-      <p:sp>
-        <p:nvSpPr>
-          <p:cNvPr id="3" name="Untertitel 2"/>
-          <p:cNvSpPr>
-            <a:spLocks noGrp="1"/>
-          </p:cNvSpPr>
-          <p:nvPr>
-            <p:ph type="subTitle" idx="1"/>
-          </p:nvPr>
-        </p:nvSpPr>
-        <p:spPr/>
-        <p:txBody>
-          <a:bodyPr/>
-          <a:lstStyle/>
-          <a:p>
-            <a:endParaRPr lang="de-DE" dirty="0"/>
+              <a:rPr lang="en-US" dirty="0" smtClean="0"/>
+              <a:t>Requirements</a:t>
+            </a:r>
+            <a:endParaRPr lang="en-US" dirty="0"/>
           </a:p>
         </p:txBody>
       </p:sp>
@@ -3557,7 +4009,8 @@
           <a:p>
             <a:fld id="{EE0C6DDA-20E9-4707-8B83-0648F90D26C8}" type="datetime1">
               <a:rPr lang="de-DE" smtClean="0"/>
-              <a:t>28.04.2015</a:t>
+              <a:pPr/>
+              <a:t>05.05.2015</a:t>
             </a:fld>
             <a:endParaRPr lang="de-DE"/>
           </a:p>
@@ -3655,7 +4108,7 @@
           <a:p>
             <a:r>
               <a:rPr lang="de-DE" b="1" dirty="0" err="1" smtClean="0"/>
-              <a:t>Overview</a:t>
+              <a:t>Perspective</a:t>
             </a:r>
             <a:endParaRPr lang="de-DE" b="1" dirty="0"/>
           </a:p>
@@ -3663,188 +4116,50 @@
       </p:sp>
       <p:sp>
         <p:nvSpPr>
-          <p:cNvPr id="3" name="Inhaltsplatzhalter 2"/>
-          <p:cNvSpPr>
-            <a:spLocks noGrp="1"/>
-          </p:cNvSpPr>
-          <p:nvPr>
-            <p:ph idx="1"/>
-          </p:nvPr>
-        </p:nvSpPr>
-        <p:spPr/>
-        <p:txBody>
-          <a:bodyPr>
-            <a:normAutofit lnSpcReduction="10000"/>
-          </a:bodyPr>
-          <a:lstStyle/>
-          <a:p>
-            <a:pPr lvl="2">
-              <a:buNone/>
-              <a:tabLst>
-                <a:tab pos="2689225" algn="l"/>
-              </a:tabLst>
-            </a:pPr>
-            <a:r>
-              <a:rPr lang="de-DE" sz="3200" dirty="0" smtClean="0"/>
-              <a:t>Mentor: 	Niklas </a:t>
-            </a:r>
-            <a:r>
-              <a:rPr lang="de-DE" sz="3200" dirty="0"/>
-              <a:t>Petersen</a:t>
-            </a:r>
-          </a:p>
-          <a:p>
-            <a:pPr>
-              <a:buNone/>
-              <a:tabLst>
-                <a:tab pos="2509838" algn="l"/>
-              </a:tabLst>
-            </a:pPr>
-            <a:r>
-              <a:rPr lang="de-DE" dirty="0" smtClean="0"/>
-              <a:t>		</a:t>
-            </a:r>
-          </a:p>
-          <a:p>
-            <a:pPr>
-              <a:buNone/>
-              <a:tabLst>
-                <a:tab pos="2689225" algn="l"/>
-              </a:tabLst>
-            </a:pPr>
-            <a:r>
-              <a:rPr lang="de-DE" dirty="0"/>
-              <a:t>	</a:t>
-            </a:r>
-            <a:r>
-              <a:rPr lang="de-DE" dirty="0" smtClean="0"/>
-              <a:t>   Members:		</a:t>
-            </a:r>
-            <a:r>
-              <a:rPr lang="de-DE" dirty="0" err="1" smtClean="0"/>
-              <a:t>Mintcho</a:t>
-            </a:r>
-            <a:r>
-              <a:rPr lang="de-DE" dirty="0" smtClean="0"/>
-              <a:t> </a:t>
-            </a:r>
-            <a:r>
-              <a:rPr lang="de-DE" dirty="0" err="1" smtClean="0"/>
-              <a:t>Tzatzarov</a:t>
-            </a:r>
-            <a:endParaRPr lang="de-DE" dirty="0"/>
-          </a:p>
-          <a:p>
-            <a:pPr>
-              <a:buNone/>
-              <a:tabLst>
-                <a:tab pos="2689225" algn="l"/>
-              </a:tabLst>
-            </a:pPr>
-            <a:r>
-              <a:rPr lang="de-DE" dirty="0" smtClean="0"/>
-              <a:t>			Omar Rana</a:t>
-            </a:r>
-          </a:p>
-          <a:p>
-            <a:pPr>
-              <a:buNone/>
-              <a:tabLst>
-                <a:tab pos="2689225" algn="l"/>
-              </a:tabLst>
-            </a:pPr>
-            <a:r>
-              <a:rPr lang="de-DE" dirty="0" smtClean="0"/>
-              <a:t>			Alexander </a:t>
-            </a:r>
-            <a:r>
-              <a:rPr lang="de-DE" dirty="0" err="1" smtClean="0"/>
-              <a:t>Melnyk</a:t>
-            </a:r>
+          <p:cNvPr id="4" name="Datumsplatzhalter 3"/>
+          <p:cNvSpPr>
+            <a:spLocks noGrp="1"/>
+          </p:cNvSpPr>
+          <p:nvPr>
+            <p:ph type="dt" sz="half" idx="10"/>
+          </p:nvPr>
+        </p:nvSpPr>
+        <p:spPr/>
+        <p:txBody>
+          <a:bodyPr/>
+          <a:lstStyle/>
+          <a:p>
+            <a:fld id="{8D1346F0-E8D5-446D-A977-27CCD0D323D6}" type="datetime1">
+              <a:rPr lang="de-DE" smtClean="0"/>
+              <a:pPr/>
+              <a:t>05.05.2015</a:t>
+            </a:fld>
+            <a:endParaRPr lang="de-DE"/>
+          </a:p>
+        </p:txBody>
+      </p:sp>
+      <p:sp>
+        <p:nvSpPr>
+          <p:cNvPr id="5" name="Fußzeilenplatzhalter 4"/>
+          <p:cNvSpPr>
+            <a:spLocks noGrp="1"/>
+          </p:cNvSpPr>
+          <p:nvPr>
+            <p:ph type="ftr" sz="quarter" idx="11"/>
+          </p:nvPr>
+        </p:nvSpPr>
+        <p:spPr/>
+        <p:txBody>
+          <a:bodyPr/>
+          <a:lstStyle/>
+          <a:p>
             <a:endParaRPr lang="de-DE" dirty="0" smtClean="0"/>
           </a:p>
-          <a:p>
-            <a:pPr>
-              <a:buNone/>
-              <a:tabLst>
-                <a:tab pos="2689225" algn="l"/>
-              </a:tabLst>
-            </a:pPr>
-            <a:endParaRPr lang="de-DE" dirty="0" smtClean="0"/>
-          </a:p>
-          <a:p>
-            <a:pPr>
-              <a:buNone/>
-              <a:tabLst>
-                <a:tab pos="2779713" algn="l"/>
-              </a:tabLst>
-            </a:pPr>
-            <a:r>
-              <a:rPr lang="de-DE" b="1" dirty="0" smtClean="0"/>
-              <a:t>Create an </a:t>
-            </a:r>
-            <a:r>
-              <a:rPr lang="de-DE" b="1" dirty="0" err="1" smtClean="0"/>
-              <a:t>semantic</a:t>
-            </a:r>
-            <a:r>
-              <a:rPr lang="de-DE" b="1" dirty="0" smtClean="0"/>
-              <a:t> RDF-</a:t>
-            </a:r>
-            <a:r>
-              <a:rPr lang="de-DE" b="1" dirty="0" err="1" smtClean="0"/>
-              <a:t>to</a:t>
-            </a:r>
-            <a:r>
-              <a:rPr lang="de-DE" b="1" dirty="0" smtClean="0"/>
-              <a:t>-</a:t>
-            </a:r>
-            <a:r>
-              <a:rPr lang="de-DE" b="1" dirty="0" err="1" smtClean="0"/>
-              <a:t>salesforce</a:t>
-            </a:r>
-            <a:r>
-              <a:rPr lang="de-DE" b="1" dirty="0" smtClean="0"/>
-              <a:t> </a:t>
-            </a:r>
-            <a:r>
-              <a:rPr lang="de-DE" b="1" dirty="0" err="1" smtClean="0"/>
-              <a:t>extension</a:t>
-            </a:r>
-            <a:r>
-              <a:rPr lang="de-DE" dirty="0" smtClean="0"/>
-              <a:t>	</a:t>
-            </a:r>
-            <a:endParaRPr lang="de-DE" dirty="0"/>
-          </a:p>
-        </p:txBody>
-      </p:sp>
-      <p:sp>
-        <p:nvSpPr>
-          <p:cNvPr id="4" name="Datumsplatzhalter 3"/>
-          <p:cNvSpPr>
-            <a:spLocks noGrp="1"/>
-          </p:cNvSpPr>
-          <p:nvPr>
-            <p:ph type="dt" sz="half" idx="10"/>
-          </p:nvPr>
-        </p:nvSpPr>
-        <p:spPr/>
-        <p:txBody>
-          <a:bodyPr/>
-          <a:lstStyle/>
-          <a:p>
-            <a:fld id="{6283BEC0-ADCC-4523-A807-0F799BA88BE5}" type="datetime1">
-              <a:rPr lang="de-DE" smtClean="0"/>
-              <a:t>28.04.2015</a:t>
-            </a:fld>
-            <a:endParaRPr lang="de-DE"/>
-          </a:p>
-        </p:txBody>
-      </p:sp>
-      <p:sp>
-        <p:nvSpPr>
-          <p:cNvPr id="5" name="Foliennummernplatzhalter 4"/>
+        </p:txBody>
+      </p:sp>
+      <p:sp>
+        <p:nvSpPr>
+          <p:cNvPr id="6" name="Foliennummernplatzhalter 5"/>
           <p:cNvSpPr>
             <a:spLocks noGrp="1"/>
           </p:cNvSpPr>
@@ -3866,21 +4181,252 @@
           </a:p>
         </p:txBody>
       </p:sp>
-      <p:sp>
-        <p:nvSpPr>
-          <p:cNvPr id="7" name="Fußzeilenplatzhalter 6"/>
-          <p:cNvSpPr>
-            <a:spLocks noGrp="1"/>
-          </p:cNvSpPr>
-          <p:nvPr>
-            <p:ph type="ftr" sz="quarter" idx="11"/>
-          </p:nvPr>
-        </p:nvSpPr>
-        <p:spPr/>
-        <p:txBody>
-          <a:bodyPr/>
-          <a:lstStyle/>
-          <a:p>
+      <p:pic>
+        <p:nvPicPr>
+          <p:cNvPr id="14" name="Inhaltsplatzhalter 13" descr="g3728.png"/>
+          <p:cNvPicPr>
+            <a:picLocks noGrp="1" noChangeAspect="1"/>
+          </p:cNvPicPr>
+          <p:nvPr>
+            <p:ph idx="1"/>
+          </p:nvPr>
+        </p:nvPicPr>
+        <p:blipFill>
+          <a:blip r:embed="rId3" cstate="print"/>
+          <a:stretch>
+            <a:fillRect/>
+          </a:stretch>
+        </p:blipFill>
+        <p:spPr>
+          <a:xfrm>
+            <a:off x="3987697" y="1124744"/>
+            <a:ext cx="1160367" cy="1221439"/>
+          </a:xfrm>
+        </p:spPr>
+      </p:pic>
+      <p:pic>
+        <p:nvPicPr>
+          <p:cNvPr id="15" name="Inhaltsplatzhalter 13" descr="g3728.png"/>
+          <p:cNvPicPr>
+            <a:picLocks noChangeAspect="1"/>
+          </p:cNvPicPr>
+          <p:nvPr/>
+        </p:nvPicPr>
+        <p:blipFill>
+          <a:blip r:embed="rId3" cstate="print"/>
+          <a:stretch>
+            <a:fillRect/>
+          </a:stretch>
+        </p:blipFill>
+        <p:spPr>
+          <a:xfrm>
+            <a:off x="1331640" y="4869160"/>
+            <a:ext cx="1077558" cy="1134271"/>
+          </a:xfrm>
+          <a:prstGeom prst="rect">
+            <a:avLst/>
+          </a:prstGeom>
+        </p:spPr>
+      </p:pic>
+      <p:pic>
+        <p:nvPicPr>
+          <p:cNvPr id="17" name="Inhaltsplatzhalter 13" descr="g3728.png"/>
+          <p:cNvPicPr>
+            <a:picLocks noChangeAspect="1"/>
+          </p:cNvPicPr>
+          <p:nvPr/>
+        </p:nvPicPr>
+        <p:blipFill>
+          <a:blip r:embed="rId3" cstate="print"/>
+          <a:stretch>
+            <a:fillRect/>
+          </a:stretch>
+        </p:blipFill>
+        <p:spPr>
+          <a:xfrm>
+            <a:off x="6732240" y="4797152"/>
+            <a:ext cx="1009150" cy="1062263"/>
+          </a:xfrm>
+          <a:prstGeom prst="rect">
+            <a:avLst/>
+          </a:prstGeom>
+        </p:spPr>
+      </p:pic>
+      <p:cxnSp>
+        <p:nvCxnSpPr>
+          <p:cNvPr id="19" name="Gerade Verbindung mit Pfeil 18"/>
+          <p:cNvCxnSpPr/>
+          <p:nvPr/>
+        </p:nvCxnSpPr>
+        <p:spPr>
+          <a:xfrm flipV="1">
+            <a:off x="2267744" y="2276872"/>
+            <a:ext cx="1584176" cy="2376264"/>
+          </a:xfrm>
+          <a:prstGeom prst="straightConnector1">
+            <a:avLst/>
+          </a:prstGeom>
+          <a:ln>
+            <a:headEnd type="arrow"/>
+            <a:tailEnd type="arrow"/>
+          </a:ln>
+        </p:spPr>
+        <p:style>
+          <a:lnRef idx="3">
+            <a:schemeClr val="dk1"/>
+          </a:lnRef>
+          <a:fillRef idx="0">
+            <a:schemeClr val="dk1"/>
+          </a:fillRef>
+          <a:effectRef idx="2">
+            <a:schemeClr val="dk1"/>
+          </a:effectRef>
+          <a:fontRef idx="minor">
+            <a:schemeClr val="tx1"/>
+          </a:fontRef>
+        </p:style>
+      </p:cxnSp>
+      <p:cxnSp>
+        <p:nvCxnSpPr>
+          <p:cNvPr id="22" name="Gerade Verbindung mit Pfeil 21"/>
+          <p:cNvCxnSpPr/>
+          <p:nvPr/>
+        </p:nvCxnSpPr>
+        <p:spPr>
+          <a:xfrm>
+            <a:off x="2699792" y="5445224"/>
+            <a:ext cx="3816424" cy="0"/>
+          </a:xfrm>
+          <a:prstGeom prst="straightConnector1">
+            <a:avLst/>
+          </a:prstGeom>
+          <a:ln>
+            <a:headEnd type="arrow"/>
+            <a:tailEnd type="arrow"/>
+          </a:ln>
+        </p:spPr>
+        <p:style>
+          <a:lnRef idx="3">
+            <a:schemeClr val="dk1"/>
+          </a:lnRef>
+          <a:fillRef idx="0">
+            <a:schemeClr val="dk1"/>
+          </a:fillRef>
+          <a:effectRef idx="2">
+            <a:schemeClr val="dk1"/>
+          </a:effectRef>
+          <a:fontRef idx="minor">
+            <a:schemeClr val="tx1"/>
+          </a:fontRef>
+        </p:style>
+      </p:cxnSp>
+      <p:cxnSp>
+        <p:nvCxnSpPr>
+          <p:cNvPr id="26" name="Gerade Verbindung mit Pfeil 25"/>
+          <p:cNvCxnSpPr/>
+          <p:nvPr/>
+        </p:nvCxnSpPr>
+        <p:spPr>
+          <a:xfrm flipH="1" flipV="1">
+            <a:off x="5148064" y="2276872"/>
+            <a:ext cx="1584176" cy="2448272"/>
+          </a:xfrm>
+          <a:prstGeom prst="straightConnector1">
+            <a:avLst/>
+          </a:prstGeom>
+          <a:ln>
+            <a:headEnd type="arrow"/>
+            <a:tailEnd type="arrow"/>
+          </a:ln>
+        </p:spPr>
+        <p:style>
+          <a:lnRef idx="3">
+            <a:schemeClr val="dk1"/>
+          </a:lnRef>
+          <a:fillRef idx="0">
+            <a:schemeClr val="dk1"/>
+          </a:fillRef>
+          <a:effectRef idx="2">
+            <a:schemeClr val="dk1"/>
+          </a:effectRef>
+          <a:fontRef idx="minor">
+            <a:schemeClr val="tx1"/>
+          </a:fontRef>
+        </p:style>
+      </p:cxnSp>
+      <p:sp>
+        <p:nvSpPr>
+          <p:cNvPr id="38" name="Gleichschenkliges Dreieck 37"/>
+          <p:cNvSpPr/>
+          <p:nvPr/>
+        </p:nvSpPr>
+        <p:spPr>
+          <a:xfrm>
+            <a:off x="3059832" y="2420888"/>
+            <a:ext cx="2868799" cy="2595763"/>
+          </a:xfrm>
+          <a:prstGeom prst="triangle">
+            <a:avLst/>
+          </a:prstGeom>
+        </p:spPr>
+        <p:style>
+          <a:lnRef idx="2">
+            <a:schemeClr val="accent1">
+              <a:shade val="50000"/>
+            </a:schemeClr>
+          </a:lnRef>
+          <a:fillRef idx="1">
+            <a:schemeClr val="accent1"/>
+          </a:fillRef>
+          <a:effectRef idx="0">
+            <a:schemeClr val="accent1"/>
+          </a:effectRef>
+          <a:fontRef idx="minor">
+            <a:schemeClr val="lt1"/>
+          </a:fontRef>
+        </p:style>
+        <p:txBody>
+          <a:bodyPr rtlCol="0" anchor="ctr"/>
+          <a:lstStyle/>
+          <a:p>
+            <a:pPr algn="ctr"/>
+            <a:endParaRPr lang="en-US" dirty="0" smtClean="0"/>
+          </a:p>
+          <a:p>
+            <a:pPr algn="ctr"/>
+            <a:r>
+              <a:rPr lang="en-US" dirty="0" smtClean="0"/>
+              <a:t>Sales</a:t>
+            </a:r>
+          </a:p>
+          <a:p>
+            <a:pPr algn="ctr"/>
+            <a:r>
+              <a:rPr lang="en-US" dirty="0" smtClean="0"/>
+              <a:t>Contacts</a:t>
+            </a:r>
+          </a:p>
+          <a:p>
+            <a:pPr algn="ctr"/>
+            <a:r>
+              <a:rPr lang="en-US" dirty="0" smtClean="0"/>
+              <a:t>Organization</a:t>
+            </a:r>
+          </a:p>
+          <a:p>
+            <a:pPr algn="ctr"/>
+            <a:endParaRPr lang="en-US" dirty="0" smtClean="0"/>
+          </a:p>
+          <a:p>
+            <a:pPr algn="ctr"/>
+            <a:endParaRPr lang="en-US" dirty="0" smtClean="0"/>
+          </a:p>
+          <a:p>
+            <a:pPr algn="ctr"/>
+            <a:endParaRPr lang="en-US" dirty="0" smtClean="0"/>
+          </a:p>
+          <a:p>
+            <a:pPr algn="ctr"/>
             <a:endParaRPr lang="de-DE" dirty="0"/>
           </a:p>
         </p:txBody>
@@ -3933,8 +4479,8 @@
           <a:lstStyle/>
           <a:p>
             <a:r>
-              <a:rPr lang="de-DE" b="1" dirty="0" smtClean="0"/>
-              <a:t>Task</a:t>
+              <a:rPr lang="de-DE" b="1" dirty="0" err="1" smtClean="0"/>
+              <a:t>Perspective</a:t>
             </a:r>
             <a:endParaRPr lang="de-DE" b="1" dirty="0"/>
           </a:p>
@@ -3955,9 +4501,10 @@
           <a:bodyPr/>
           <a:lstStyle/>
           <a:p>
-            <a:fld id="{5218AAFF-AD2D-4CED-ACDA-A52C7B708E77}" type="datetime1">
-              <a:rPr lang="de-DE" smtClean="0"/>
-              <a:t>28.04.2015</a:t>
+            <a:fld id="{8D1346F0-E8D5-446D-A977-27CCD0D323D6}" type="datetime1">
+              <a:rPr lang="de-DE" smtClean="0"/>
+              <a:pPr/>
+              <a:t>05.05.2015</a:t>
             </a:fld>
             <a:endParaRPr lang="de-DE"/>
           </a:p>
@@ -3965,7 +4512,26 @@
       </p:sp>
       <p:sp>
         <p:nvSpPr>
-          <p:cNvPr id="5" name="Foliennummernplatzhalter 4"/>
+          <p:cNvPr id="5" name="Fußzeilenplatzhalter 4"/>
+          <p:cNvSpPr>
+            <a:spLocks noGrp="1"/>
+          </p:cNvSpPr>
+          <p:nvPr>
+            <p:ph type="ftr" sz="quarter" idx="11"/>
+          </p:nvPr>
+        </p:nvSpPr>
+        <p:spPr/>
+        <p:txBody>
+          <a:bodyPr/>
+          <a:lstStyle/>
+          <a:p>
+            <a:endParaRPr lang="de-DE" dirty="0" smtClean="0"/>
+          </a:p>
+        </p:txBody>
+      </p:sp>
+      <p:sp>
+        <p:nvSpPr>
+          <p:cNvPr id="6" name="Foliennummernplatzhalter 5"/>
           <p:cNvSpPr>
             <a:spLocks noGrp="1"/>
           </p:cNvSpPr>
@@ -3987,52 +4553,32 @@
           </a:p>
         </p:txBody>
       </p:sp>
-      <p:sp>
-        <p:nvSpPr>
-          <p:cNvPr id="7" name="Fußzeilenplatzhalter 6"/>
-          <p:cNvSpPr>
-            <a:spLocks noGrp="1"/>
-          </p:cNvSpPr>
-          <p:nvPr>
-            <p:ph type="ftr" sz="quarter" idx="11"/>
-          </p:nvPr>
-        </p:nvSpPr>
-        <p:spPr/>
-        <p:txBody>
-          <a:bodyPr/>
-          <a:lstStyle/>
-          <a:p>
-            <a:endParaRPr lang="de-DE" dirty="0"/>
-          </a:p>
-        </p:txBody>
-      </p:sp>
       <p:pic>
         <p:nvPicPr>
-          <p:cNvPr id="15" name="Grafik 14" descr="linked-data.png"/>
+          <p:cNvPr id="14" name="Inhaltsplatzhalter 13" descr="g3728.png"/>
           <p:cNvPicPr>
-            <a:picLocks noChangeAspect="1"/>
+            <a:picLocks noGrp="1" noChangeAspect="1"/>
           </p:cNvPicPr>
-          <p:nvPr/>
+          <p:nvPr>
+            <p:ph idx="1"/>
+          </p:nvPr>
         </p:nvPicPr>
         <p:blipFill>
-          <a:blip r:embed="rId2" cstate="print"/>
+          <a:blip r:embed="rId3" cstate="print"/>
           <a:stretch>
             <a:fillRect/>
           </a:stretch>
         </p:blipFill>
         <p:spPr>
           <a:xfrm>
-            <a:off x="323528" y="2636912"/>
-            <a:ext cx="2579555" cy="1932411"/>
+            <a:off x="3987697" y="1124744"/>
+            <a:ext cx="1160367" cy="1221439"/>
           </a:xfrm>
-          <a:prstGeom prst="rect">
-            <a:avLst/>
-          </a:prstGeom>
         </p:spPr>
       </p:pic>
       <p:pic>
         <p:nvPicPr>
-          <p:cNvPr id="17" name="Inhaltsplatzhalter 7" descr="logo190.png"/>
+          <p:cNvPr id="15" name="Inhaltsplatzhalter 13" descr="g3728.png"/>
           <p:cNvPicPr>
             <a:picLocks noChangeAspect="1"/>
           </p:cNvPicPr>
@@ -4046,7 +4592,157 @@
         </p:blipFill>
         <p:spPr>
           <a:xfrm>
-            <a:off x="6084168" y="2852936"/>
+            <a:off x="1331640" y="4869160"/>
+            <a:ext cx="1077558" cy="1134271"/>
+          </a:xfrm>
+          <a:prstGeom prst="rect">
+            <a:avLst/>
+          </a:prstGeom>
+        </p:spPr>
+      </p:pic>
+      <p:pic>
+        <p:nvPicPr>
+          <p:cNvPr id="17" name="Inhaltsplatzhalter 13" descr="g3728.png"/>
+          <p:cNvPicPr>
+            <a:picLocks noChangeAspect="1"/>
+          </p:cNvPicPr>
+          <p:nvPr/>
+        </p:nvPicPr>
+        <p:blipFill>
+          <a:blip r:embed="rId3" cstate="print"/>
+          <a:stretch>
+            <a:fillRect/>
+          </a:stretch>
+        </p:blipFill>
+        <p:spPr>
+          <a:xfrm>
+            <a:off x="6732240" y="4797152"/>
+            <a:ext cx="1009150" cy="1062263"/>
+          </a:xfrm>
+          <a:prstGeom prst="rect">
+            <a:avLst/>
+          </a:prstGeom>
+        </p:spPr>
+      </p:pic>
+      <p:cxnSp>
+        <p:nvCxnSpPr>
+          <p:cNvPr id="19" name="Gerade Verbindung mit Pfeil 18"/>
+          <p:cNvCxnSpPr/>
+          <p:nvPr/>
+        </p:nvCxnSpPr>
+        <p:spPr>
+          <a:xfrm flipV="1">
+            <a:off x="4427984" y="2348880"/>
+            <a:ext cx="0" cy="864096"/>
+          </a:xfrm>
+          <a:prstGeom prst="straightConnector1">
+            <a:avLst/>
+          </a:prstGeom>
+          <a:ln>
+            <a:headEnd type="arrow"/>
+            <a:tailEnd type="arrow"/>
+          </a:ln>
+        </p:spPr>
+        <p:style>
+          <a:lnRef idx="3">
+            <a:schemeClr val="dk1"/>
+          </a:lnRef>
+          <a:fillRef idx="0">
+            <a:schemeClr val="dk1"/>
+          </a:fillRef>
+          <a:effectRef idx="2">
+            <a:schemeClr val="dk1"/>
+          </a:effectRef>
+          <a:fontRef idx="minor">
+            <a:schemeClr val="tx1"/>
+          </a:fontRef>
+        </p:style>
+      </p:cxnSp>
+      <p:cxnSp>
+        <p:nvCxnSpPr>
+          <p:cNvPr id="22" name="Gerade Verbindung mit Pfeil 21"/>
+          <p:cNvCxnSpPr/>
+          <p:nvPr/>
+        </p:nvCxnSpPr>
+        <p:spPr>
+          <a:xfrm flipV="1">
+            <a:off x="2411760" y="4365104"/>
+            <a:ext cx="1008112" cy="720080"/>
+          </a:xfrm>
+          <a:prstGeom prst="straightConnector1">
+            <a:avLst/>
+          </a:prstGeom>
+          <a:ln>
+            <a:headEnd type="arrow"/>
+            <a:tailEnd type="arrow"/>
+          </a:ln>
+        </p:spPr>
+        <p:style>
+          <a:lnRef idx="3">
+            <a:schemeClr val="dk1"/>
+          </a:lnRef>
+          <a:fillRef idx="0">
+            <a:schemeClr val="dk1"/>
+          </a:fillRef>
+          <a:effectRef idx="2">
+            <a:schemeClr val="dk1"/>
+          </a:effectRef>
+          <a:fontRef idx="minor">
+            <a:schemeClr val="tx1"/>
+          </a:fontRef>
+        </p:style>
+      </p:cxnSp>
+      <p:cxnSp>
+        <p:nvCxnSpPr>
+          <p:cNvPr id="26" name="Gerade Verbindung mit Pfeil 25"/>
+          <p:cNvCxnSpPr/>
+          <p:nvPr/>
+        </p:nvCxnSpPr>
+        <p:spPr>
+          <a:xfrm flipH="1" flipV="1">
+            <a:off x="5580112" y="4293096"/>
+            <a:ext cx="1008112" cy="720080"/>
+          </a:xfrm>
+          <a:prstGeom prst="straightConnector1">
+            <a:avLst/>
+          </a:prstGeom>
+          <a:ln>
+            <a:headEnd type="arrow"/>
+            <a:tailEnd type="arrow"/>
+          </a:ln>
+        </p:spPr>
+        <p:style>
+          <a:lnRef idx="3">
+            <a:schemeClr val="dk1"/>
+          </a:lnRef>
+          <a:fillRef idx="0">
+            <a:schemeClr val="dk1"/>
+          </a:fillRef>
+          <a:effectRef idx="2">
+            <a:schemeClr val="dk1"/>
+          </a:effectRef>
+          <a:fontRef idx="minor">
+            <a:schemeClr val="tx1"/>
+          </a:fontRef>
+        </p:style>
+      </p:cxnSp>
+      <p:pic>
+        <p:nvPicPr>
+          <p:cNvPr id="13" name="Grafik 12" descr="logo190.png"/>
+          <p:cNvPicPr>
+            <a:picLocks noChangeAspect="1"/>
+          </p:cNvPicPr>
+          <p:nvPr/>
+        </p:nvPicPr>
+        <p:blipFill>
+          <a:blip r:embed="rId4" cstate="print"/>
+          <a:stretch>
+            <a:fillRect/>
+          </a:stretch>
+        </p:blipFill>
+        <p:spPr>
+          <a:xfrm>
+            <a:off x="2771800" y="3284984"/>
             <a:ext cx="3429000" cy="1428750"/>
           </a:xfrm>
           <a:prstGeom prst="rect">
@@ -4054,175 +4750,6 @@
           </a:prstGeom>
         </p:spPr>
       </p:pic>
-      <p:sp>
-        <p:nvSpPr>
-          <p:cNvPr id="19" name="Textfeld 18"/>
-          <p:cNvSpPr txBox="1"/>
-          <p:nvPr/>
-        </p:nvSpPr>
-        <p:spPr>
-          <a:xfrm>
-            <a:off x="611560" y="1988840"/>
-            <a:ext cx="2088232" cy="584775"/>
-          </a:xfrm>
-          <a:prstGeom prst="rect">
-            <a:avLst/>
-          </a:prstGeom>
-          <a:noFill/>
-        </p:spPr>
-        <p:txBody>
-          <a:bodyPr wrap="square" rtlCol="0">
-            <a:spAutoFit/>
-          </a:bodyPr>
-          <a:lstStyle/>
-          <a:p>
-            <a:pPr algn="ctr"/>
-            <a:r>
-              <a:rPr lang="de-DE" sz="3200" dirty="0" smtClean="0"/>
-              <a:t>RDF Graph</a:t>
-            </a:r>
-            <a:endParaRPr lang="de-DE" sz="3200" dirty="0"/>
-          </a:p>
-        </p:txBody>
-      </p:sp>
-      <p:sp>
-        <p:nvSpPr>
-          <p:cNvPr id="21" name="Textfeld 20"/>
-          <p:cNvSpPr txBox="1"/>
-          <p:nvPr/>
-        </p:nvSpPr>
-        <p:spPr>
-          <a:xfrm>
-            <a:off x="6156176" y="1988840"/>
-            <a:ext cx="2880320" cy="584775"/>
-          </a:xfrm>
-          <a:prstGeom prst="rect">
-            <a:avLst/>
-          </a:prstGeom>
-          <a:noFill/>
-        </p:spPr>
-        <p:txBody>
-          <a:bodyPr wrap="square" rtlCol="0">
-            <a:spAutoFit/>
-          </a:bodyPr>
-          <a:lstStyle/>
-          <a:p>
-            <a:pPr algn="ctr"/>
-            <a:r>
-              <a:rPr lang="en-US" sz="3200" dirty="0" smtClean="0"/>
-              <a:t>Cloud CRM</a:t>
-            </a:r>
-            <a:endParaRPr lang="en-US" sz="3200" dirty="0"/>
-          </a:p>
-        </p:txBody>
-      </p:sp>
-      <p:sp>
-        <p:nvSpPr>
-          <p:cNvPr id="22" name="Pfeil nach links 21"/>
-          <p:cNvSpPr/>
-          <p:nvPr/>
-        </p:nvSpPr>
-        <p:spPr>
-          <a:xfrm>
-            <a:off x="3707904" y="2780928"/>
-            <a:ext cx="2016224" cy="288032"/>
-          </a:xfrm>
-          <a:prstGeom prst="leftArrow">
-            <a:avLst/>
-          </a:prstGeom>
-        </p:spPr>
-        <p:style>
-          <a:lnRef idx="1">
-            <a:schemeClr val="accent1"/>
-          </a:lnRef>
-          <a:fillRef idx="2">
-            <a:schemeClr val="accent1"/>
-          </a:fillRef>
-          <a:effectRef idx="1">
-            <a:schemeClr val="accent1"/>
-          </a:effectRef>
-          <a:fontRef idx="minor">
-            <a:schemeClr val="dk1"/>
-          </a:fontRef>
-        </p:style>
-        <p:txBody>
-          <a:bodyPr rtlCol="0" anchor="ctr"/>
-          <a:lstStyle/>
-          <a:p>
-            <a:pPr algn="ctr"/>
-            <a:endParaRPr lang="de-DE" dirty="0"/>
-          </a:p>
-        </p:txBody>
-      </p:sp>
-      <p:sp>
-        <p:nvSpPr>
-          <p:cNvPr id="24" name="Pfeil nach links 23"/>
-          <p:cNvSpPr/>
-          <p:nvPr/>
-        </p:nvSpPr>
-        <p:spPr>
-          <a:xfrm rot="10800000">
-            <a:off x="3779912" y="3861048"/>
-            <a:ext cx="2016224" cy="288032"/>
-          </a:xfrm>
-          <a:prstGeom prst="leftArrow">
-            <a:avLst/>
-          </a:prstGeom>
-        </p:spPr>
-        <p:style>
-          <a:lnRef idx="1">
-            <a:schemeClr val="accent1"/>
-          </a:lnRef>
-          <a:fillRef idx="2">
-            <a:schemeClr val="accent1"/>
-          </a:fillRef>
-          <a:effectRef idx="1">
-            <a:schemeClr val="accent1"/>
-          </a:effectRef>
-          <a:fontRef idx="minor">
-            <a:schemeClr val="dk1"/>
-          </a:fontRef>
-        </p:style>
-        <p:txBody>
-          <a:bodyPr rtlCol="0" anchor="ctr"/>
-          <a:lstStyle/>
-          <a:p>
-            <a:pPr algn="ctr"/>
-            <a:endParaRPr lang="de-DE"/>
-          </a:p>
-        </p:txBody>
-      </p:sp>
-      <p:sp>
-        <p:nvSpPr>
-          <p:cNvPr id="27" name="Textfeld 26"/>
-          <p:cNvSpPr txBox="1"/>
-          <p:nvPr/>
-        </p:nvSpPr>
-        <p:spPr>
-          <a:xfrm>
-            <a:off x="3707904" y="3140968"/>
-            <a:ext cx="2088232" cy="584775"/>
-          </a:xfrm>
-          <a:prstGeom prst="rect">
-            <a:avLst/>
-          </a:prstGeom>
-          <a:noFill/>
-        </p:spPr>
-        <p:txBody>
-          <a:bodyPr wrap="square" rtlCol="0">
-            <a:spAutoFit/>
-          </a:bodyPr>
-          <a:lstStyle/>
-          <a:p>
-            <a:pPr algn="ctr"/>
-            <a:r>
-              <a:rPr lang="de-DE" sz="3200" dirty="0" smtClean="0"/>
-              <a:t>?</a:t>
-            </a:r>
-            <a:endParaRPr lang="de-DE" sz="3200" dirty="0"/>
-          </a:p>
-        </p:txBody>
-      </p:sp>
     </p:spTree>
   </p:cSld>
   <p:clrMapOvr>
@@ -4257,6 +4784,49 @@
       </p:grpSpPr>
       <p:sp>
         <p:nvSpPr>
+          <p:cNvPr id="16" name="Wolkenförmige Legende 15"/>
+          <p:cNvSpPr/>
+          <p:nvPr/>
+        </p:nvSpPr>
+        <p:spPr>
+          <a:xfrm>
+            <a:off x="3131840" y="2924944"/>
+            <a:ext cx="2664296" cy="2016224"/>
+          </a:xfrm>
+          <a:prstGeom prst="cloudCallout">
+            <a:avLst>
+              <a:gd name="adj1" fmla="val -47826"/>
+              <a:gd name="adj2" fmla="val -3235"/>
+            </a:avLst>
+          </a:prstGeom>
+        </p:spPr>
+        <p:style>
+          <a:lnRef idx="2">
+            <a:schemeClr val="accent6">
+              <a:shade val="50000"/>
+            </a:schemeClr>
+          </a:lnRef>
+          <a:fillRef idx="1">
+            <a:schemeClr val="accent6"/>
+          </a:fillRef>
+          <a:effectRef idx="0">
+            <a:schemeClr val="accent6"/>
+          </a:effectRef>
+          <a:fontRef idx="minor">
+            <a:schemeClr val="lt1"/>
+          </a:fontRef>
+        </p:style>
+        <p:txBody>
+          <a:bodyPr rtlCol="0" anchor="ctr"/>
+          <a:lstStyle/>
+          <a:p>
+            <a:pPr algn="ctr"/>
+            <a:endParaRPr lang="de-DE"/>
+          </a:p>
+        </p:txBody>
+      </p:sp>
+      <p:sp>
+        <p:nvSpPr>
           <p:cNvPr id="2" name="Titel 1"/>
           <p:cNvSpPr>
             <a:spLocks noGrp="1"/>
@@ -4271,10 +4841,10 @@
           <a:lstStyle/>
           <a:p>
             <a:r>
-              <a:rPr lang="de-DE" b="1" dirty="0" smtClean="0"/>
-              <a:t>Task</a:t>
-            </a:r>
-            <a:endParaRPr lang="de-DE" b="1" dirty="0"/>
+              <a:rPr lang="en-US" b="1" dirty="0" smtClean="0"/>
+              <a:t>Perspective</a:t>
+            </a:r>
+            <a:endParaRPr lang="en-US" b="1" dirty="0"/>
           </a:p>
         </p:txBody>
       </p:sp>
@@ -4293,9 +4863,10 @@
           <a:bodyPr/>
           <a:lstStyle/>
           <a:p>
-            <a:fld id="{5218AAFF-AD2D-4CED-ACDA-A52C7B708E77}" type="datetime1">
-              <a:rPr lang="de-DE" smtClean="0"/>
-              <a:t>28.04.2015</a:t>
+            <a:fld id="{8D1346F0-E8D5-446D-A977-27CCD0D323D6}" type="datetime1">
+              <a:rPr lang="de-DE" smtClean="0"/>
+              <a:pPr/>
+              <a:t>05.05.2015</a:t>
             </a:fld>
             <a:endParaRPr lang="de-DE"/>
           </a:p>
@@ -4303,7 +4874,26 @@
       </p:sp>
       <p:sp>
         <p:nvSpPr>
-          <p:cNvPr id="5" name="Foliennummernplatzhalter 4"/>
+          <p:cNvPr id="5" name="Fußzeilenplatzhalter 4"/>
+          <p:cNvSpPr>
+            <a:spLocks noGrp="1"/>
+          </p:cNvSpPr>
+          <p:nvPr>
+            <p:ph type="ftr" sz="quarter" idx="11"/>
+          </p:nvPr>
+        </p:nvSpPr>
+        <p:spPr/>
+        <p:txBody>
+          <a:bodyPr/>
+          <a:lstStyle/>
+          <a:p>
+            <a:endParaRPr lang="de-DE" dirty="0" smtClean="0"/>
+          </a:p>
+        </p:txBody>
+      </p:sp>
+      <p:sp>
+        <p:nvSpPr>
+          <p:cNvPr id="6" name="Foliennummernplatzhalter 5"/>
           <p:cNvSpPr>
             <a:spLocks noGrp="1"/>
           </p:cNvSpPr>
@@ -4325,52 +4915,32 @@
           </a:p>
         </p:txBody>
       </p:sp>
-      <p:sp>
-        <p:nvSpPr>
-          <p:cNvPr id="7" name="Fußzeilenplatzhalter 6"/>
-          <p:cNvSpPr>
-            <a:spLocks noGrp="1"/>
-          </p:cNvSpPr>
-          <p:nvPr>
-            <p:ph type="ftr" sz="quarter" idx="11"/>
-          </p:nvPr>
-        </p:nvSpPr>
-        <p:spPr/>
-        <p:txBody>
-          <a:bodyPr/>
-          <a:lstStyle/>
-          <a:p>
-            <a:endParaRPr lang="de-DE" dirty="0"/>
-          </a:p>
-        </p:txBody>
-      </p:sp>
       <p:pic>
         <p:nvPicPr>
-          <p:cNvPr id="15" name="Grafik 14" descr="linked-data.png"/>
+          <p:cNvPr id="14" name="Inhaltsplatzhalter 13" descr="g3728.png"/>
           <p:cNvPicPr>
-            <a:picLocks noChangeAspect="1"/>
+            <a:picLocks noGrp="1" noChangeAspect="1"/>
           </p:cNvPicPr>
-          <p:nvPr/>
+          <p:nvPr>
+            <p:ph idx="1"/>
+          </p:nvPr>
         </p:nvPicPr>
         <p:blipFill>
-          <a:blip r:embed="rId2" cstate="print"/>
+          <a:blip r:embed="rId3" cstate="print"/>
           <a:stretch>
             <a:fillRect/>
           </a:stretch>
         </p:blipFill>
         <p:spPr>
           <a:xfrm>
-            <a:off x="323528" y="2636912"/>
-            <a:ext cx="2579555" cy="1932411"/>
+            <a:off x="3987697" y="1124744"/>
+            <a:ext cx="1160367" cy="1221439"/>
           </a:xfrm>
-          <a:prstGeom prst="rect">
-            <a:avLst/>
-          </a:prstGeom>
         </p:spPr>
       </p:pic>
       <p:pic>
         <p:nvPicPr>
-          <p:cNvPr id="17" name="Inhaltsplatzhalter 7" descr="logo190.png"/>
+          <p:cNvPr id="15" name="Inhaltsplatzhalter 13" descr="g3728.png"/>
           <p:cNvPicPr>
             <a:picLocks noChangeAspect="1"/>
           </p:cNvPicPr>
@@ -4384,7 +4954,157 @@
         </p:blipFill>
         <p:spPr>
           <a:xfrm>
-            <a:off x="6084168" y="2852936"/>
+            <a:off x="1331640" y="4869160"/>
+            <a:ext cx="1077558" cy="1134271"/>
+          </a:xfrm>
+          <a:prstGeom prst="rect">
+            <a:avLst/>
+          </a:prstGeom>
+        </p:spPr>
+      </p:pic>
+      <p:pic>
+        <p:nvPicPr>
+          <p:cNvPr id="17" name="Inhaltsplatzhalter 13" descr="g3728.png"/>
+          <p:cNvPicPr>
+            <a:picLocks noChangeAspect="1"/>
+          </p:cNvPicPr>
+          <p:nvPr/>
+        </p:nvPicPr>
+        <p:blipFill>
+          <a:blip r:embed="rId3" cstate="print"/>
+          <a:stretch>
+            <a:fillRect/>
+          </a:stretch>
+        </p:blipFill>
+        <p:spPr>
+          <a:xfrm>
+            <a:off x="6732240" y="4797152"/>
+            <a:ext cx="1009150" cy="1062263"/>
+          </a:xfrm>
+          <a:prstGeom prst="rect">
+            <a:avLst/>
+          </a:prstGeom>
+        </p:spPr>
+      </p:pic>
+      <p:cxnSp>
+        <p:nvCxnSpPr>
+          <p:cNvPr id="19" name="Gerade Verbindung mit Pfeil 18"/>
+          <p:cNvCxnSpPr/>
+          <p:nvPr/>
+        </p:nvCxnSpPr>
+        <p:spPr>
+          <a:xfrm flipV="1">
+            <a:off x="4427984" y="2348880"/>
+            <a:ext cx="0" cy="576064"/>
+          </a:xfrm>
+          <a:prstGeom prst="straightConnector1">
+            <a:avLst/>
+          </a:prstGeom>
+          <a:ln>
+            <a:headEnd type="arrow"/>
+            <a:tailEnd type="arrow"/>
+          </a:ln>
+        </p:spPr>
+        <p:style>
+          <a:lnRef idx="3">
+            <a:schemeClr val="dk1"/>
+          </a:lnRef>
+          <a:fillRef idx="0">
+            <a:schemeClr val="dk1"/>
+          </a:fillRef>
+          <a:effectRef idx="2">
+            <a:schemeClr val="dk1"/>
+          </a:effectRef>
+          <a:fontRef idx="minor">
+            <a:schemeClr val="tx1"/>
+          </a:fontRef>
+        </p:style>
+      </p:cxnSp>
+      <p:cxnSp>
+        <p:nvCxnSpPr>
+          <p:cNvPr id="22" name="Gerade Verbindung mit Pfeil 21"/>
+          <p:cNvCxnSpPr/>
+          <p:nvPr/>
+        </p:nvCxnSpPr>
+        <p:spPr>
+          <a:xfrm flipV="1">
+            <a:off x="2411760" y="4581128"/>
+            <a:ext cx="720080" cy="504056"/>
+          </a:xfrm>
+          <a:prstGeom prst="straightConnector1">
+            <a:avLst/>
+          </a:prstGeom>
+          <a:ln>
+            <a:headEnd type="arrow"/>
+            <a:tailEnd type="arrow"/>
+          </a:ln>
+        </p:spPr>
+        <p:style>
+          <a:lnRef idx="3">
+            <a:schemeClr val="dk1"/>
+          </a:lnRef>
+          <a:fillRef idx="0">
+            <a:schemeClr val="dk1"/>
+          </a:fillRef>
+          <a:effectRef idx="2">
+            <a:schemeClr val="dk1"/>
+          </a:effectRef>
+          <a:fontRef idx="minor">
+            <a:schemeClr val="tx1"/>
+          </a:fontRef>
+        </p:style>
+      </p:cxnSp>
+      <p:cxnSp>
+        <p:nvCxnSpPr>
+          <p:cNvPr id="26" name="Gerade Verbindung mit Pfeil 25"/>
+          <p:cNvCxnSpPr/>
+          <p:nvPr/>
+        </p:nvCxnSpPr>
+        <p:spPr>
+          <a:xfrm flipH="1" flipV="1">
+            <a:off x="5796136" y="4437112"/>
+            <a:ext cx="792088" cy="576064"/>
+          </a:xfrm>
+          <a:prstGeom prst="straightConnector1">
+            <a:avLst/>
+          </a:prstGeom>
+          <a:ln>
+            <a:headEnd type="arrow"/>
+            <a:tailEnd type="arrow"/>
+          </a:ln>
+        </p:spPr>
+        <p:style>
+          <a:lnRef idx="3">
+            <a:schemeClr val="dk1"/>
+          </a:lnRef>
+          <a:fillRef idx="0">
+            <a:schemeClr val="dk1"/>
+          </a:fillRef>
+          <a:effectRef idx="2">
+            <a:schemeClr val="dk1"/>
+          </a:effectRef>
+          <a:fontRef idx="minor">
+            <a:schemeClr val="tx1"/>
+          </a:fontRef>
+        </p:style>
+      </p:cxnSp>
+      <p:pic>
+        <p:nvPicPr>
+          <p:cNvPr id="13" name="Grafik 12" descr="logo190.png"/>
+          <p:cNvPicPr>
+            <a:picLocks noChangeAspect="1"/>
+          </p:cNvPicPr>
+          <p:nvPr/>
+        </p:nvPicPr>
+        <p:blipFill>
+          <a:blip r:embed="rId4" cstate="print"/>
+          <a:stretch>
+            <a:fillRect/>
+          </a:stretch>
+        </p:blipFill>
+        <p:spPr>
+          <a:xfrm>
+            <a:off x="2771800" y="3284984"/>
             <a:ext cx="3429000" cy="1428750"/>
           </a:xfrm>
           <a:prstGeom prst="rect">
@@ -4394,14 +5114,14 @@
       </p:pic>
       <p:sp>
         <p:nvSpPr>
-          <p:cNvPr id="19" name="Textfeld 18"/>
+          <p:cNvPr id="27" name="Textfeld 26"/>
           <p:cNvSpPr txBox="1"/>
           <p:nvPr/>
         </p:nvSpPr>
         <p:spPr>
           <a:xfrm>
-            <a:off x="611560" y="1988840"/>
-            <a:ext cx="2088232" cy="584775"/>
+            <a:off x="5508104" y="2780928"/>
+            <a:ext cx="2160240" cy="461665"/>
           </a:xfrm>
           <a:prstGeom prst="rect">
             <a:avLst/>
@@ -4414,285 +5134,11 @@
           </a:bodyPr>
           <a:lstStyle/>
           <a:p>
-            <a:pPr algn="ctr"/>
-            <a:r>
-              <a:rPr lang="de-DE" sz="3200" dirty="0" smtClean="0"/>
-              <a:t>RDF Graph</a:t>
-            </a:r>
-            <a:endParaRPr lang="de-DE" sz="3200" dirty="0"/>
-          </a:p>
-        </p:txBody>
-      </p:sp>
-      <p:sp>
-        <p:nvSpPr>
-          <p:cNvPr id="21" name="Textfeld 20"/>
-          <p:cNvSpPr txBox="1"/>
-          <p:nvPr/>
-        </p:nvSpPr>
-        <p:spPr>
-          <a:xfrm>
-            <a:off x="6156176" y="1988840"/>
-            <a:ext cx="2880320" cy="584775"/>
-          </a:xfrm>
-          <a:prstGeom prst="rect">
-            <a:avLst/>
-          </a:prstGeom>
-          <a:noFill/>
-        </p:spPr>
-        <p:txBody>
-          <a:bodyPr wrap="square" rtlCol="0">
-            <a:spAutoFit/>
-          </a:bodyPr>
-          <a:lstStyle/>
-          <a:p>
-            <a:pPr algn="ctr"/>
-            <a:r>
-              <a:rPr lang="en-US" sz="3200" dirty="0" smtClean="0"/>
-              <a:t>Cloud CRM</a:t>
-            </a:r>
-            <a:endParaRPr lang="en-US" sz="3200" dirty="0"/>
-          </a:p>
-        </p:txBody>
-      </p:sp>
-      <p:sp>
-        <p:nvSpPr>
-          <p:cNvPr id="22" name="Pfeil nach links 21"/>
-          <p:cNvSpPr/>
-          <p:nvPr/>
-        </p:nvSpPr>
-        <p:spPr>
-          <a:xfrm>
-            <a:off x="5292080" y="2780928"/>
-            <a:ext cx="504056" cy="288032"/>
-          </a:xfrm>
-          <a:prstGeom prst="leftArrow">
-            <a:avLst/>
-          </a:prstGeom>
-        </p:spPr>
-        <p:style>
-          <a:lnRef idx="1">
-            <a:schemeClr val="accent1"/>
-          </a:lnRef>
-          <a:fillRef idx="2">
-            <a:schemeClr val="accent1"/>
-          </a:fillRef>
-          <a:effectRef idx="1">
-            <a:schemeClr val="accent1"/>
-          </a:effectRef>
-          <a:fontRef idx="minor">
-            <a:schemeClr val="dk1"/>
-          </a:fontRef>
-        </p:style>
-        <p:txBody>
-          <a:bodyPr rtlCol="0" anchor="ctr"/>
-          <a:lstStyle/>
-          <a:p>
-            <a:pPr algn="ctr"/>
-            <a:endParaRPr lang="de-DE" dirty="0"/>
-          </a:p>
-        </p:txBody>
-      </p:sp>
-      <p:sp>
-        <p:nvSpPr>
-          <p:cNvPr id="24" name="Pfeil nach links 23"/>
-          <p:cNvSpPr/>
-          <p:nvPr/>
-        </p:nvSpPr>
-        <p:spPr>
-          <a:xfrm rot="10800000">
-            <a:off x="5364088" y="3861048"/>
-            <a:ext cx="504056" cy="288032"/>
-          </a:xfrm>
-          <a:prstGeom prst="leftArrow">
-            <a:avLst>
-              <a:gd name="adj1" fmla="val 50000"/>
-              <a:gd name="adj2" fmla="val 50000"/>
-            </a:avLst>
-          </a:prstGeom>
-        </p:spPr>
-        <p:style>
-          <a:lnRef idx="1">
-            <a:schemeClr val="accent1"/>
-          </a:lnRef>
-          <a:fillRef idx="2">
-            <a:schemeClr val="accent1"/>
-          </a:fillRef>
-          <a:effectRef idx="1">
-            <a:schemeClr val="accent1"/>
-          </a:effectRef>
-          <a:fontRef idx="minor">
-            <a:schemeClr val="dk1"/>
-          </a:fontRef>
-        </p:style>
-        <p:txBody>
-          <a:bodyPr rtlCol="0" anchor="ctr"/>
-          <a:lstStyle/>
-          <a:p>
-            <a:pPr algn="ctr"/>
-            <a:endParaRPr lang="de-DE"/>
-          </a:p>
-        </p:txBody>
-      </p:sp>
-      <p:sp>
-        <p:nvSpPr>
-          <p:cNvPr id="13" name="Rechteck 12"/>
-          <p:cNvSpPr/>
-          <p:nvPr/>
-        </p:nvSpPr>
-        <p:spPr>
-          <a:xfrm>
-            <a:off x="6084168" y="1916832"/>
-            <a:ext cx="504056" cy="2808312"/>
-          </a:xfrm>
-          <a:prstGeom prst="rect">
-            <a:avLst/>
-          </a:prstGeom>
-        </p:spPr>
-        <p:style>
-          <a:lnRef idx="1">
-            <a:schemeClr val="accent1"/>
-          </a:lnRef>
-          <a:fillRef idx="2">
-            <a:schemeClr val="accent1"/>
-          </a:fillRef>
-          <a:effectRef idx="1">
-            <a:schemeClr val="accent1"/>
-          </a:effectRef>
-          <a:fontRef idx="minor">
-            <a:schemeClr val="dk1"/>
-          </a:fontRef>
-        </p:style>
-        <p:txBody>
-          <a:bodyPr rtlCol="0" anchor="ctr"/>
-          <a:lstStyle/>
-          <a:p>
-            <a:pPr algn="ctr"/>
-            <a:r>
-              <a:rPr lang="de-DE" dirty="0" smtClean="0"/>
-              <a:t>API</a:t>
-            </a:r>
-            <a:endParaRPr lang="de-DE" dirty="0"/>
-          </a:p>
-        </p:txBody>
-      </p:sp>
-      <p:sp>
-        <p:nvSpPr>
-          <p:cNvPr id="18" name="Rechteck 17"/>
-          <p:cNvSpPr/>
-          <p:nvPr/>
-        </p:nvSpPr>
-        <p:spPr>
-          <a:xfrm>
-            <a:off x="3923928" y="1916832"/>
-            <a:ext cx="1152128" cy="2808312"/>
-          </a:xfrm>
-          <a:prstGeom prst="rect">
-            <a:avLst/>
-          </a:prstGeom>
-        </p:spPr>
-        <p:style>
-          <a:lnRef idx="1">
-            <a:schemeClr val="accent1"/>
-          </a:lnRef>
-          <a:fillRef idx="2">
-            <a:schemeClr val="accent1"/>
-          </a:fillRef>
-          <a:effectRef idx="1">
-            <a:schemeClr val="accent1"/>
-          </a:effectRef>
-          <a:fontRef idx="minor">
-            <a:schemeClr val="dk1"/>
-          </a:fontRef>
-        </p:style>
-        <p:txBody>
-          <a:bodyPr rtlCol="0" anchor="ctr"/>
-          <a:lstStyle/>
-          <a:p>
-            <a:pPr algn="ctr"/>
-            <a:r>
-              <a:rPr lang="de-DE" dirty="0" smtClean="0"/>
-              <a:t>Extension</a:t>
-            </a:r>
-            <a:endParaRPr lang="de-DE" dirty="0"/>
-          </a:p>
-        </p:txBody>
-      </p:sp>
-      <p:sp>
-        <p:nvSpPr>
-          <p:cNvPr id="20" name="Pfeil nach links 19"/>
-          <p:cNvSpPr/>
-          <p:nvPr/>
-        </p:nvSpPr>
-        <p:spPr>
-          <a:xfrm>
-            <a:off x="3131840" y="2780928"/>
-            <a:ext cx="504056" cy="288032"/>
-          </a:xfrm>
-          <a:prstGeom prst="leftArrow">
-            <a:avLst/>
-          </a:prstGeom>
-        </p:spPr>
-        <p:style>
-          <a:lnRef idx="1">
-            <a:schemeClr val="accent1"/>
-          </a:lnRef>
-          <a:fillRef idx="2">
-            <a:schemeClr val="accent1"/>
-          </a:fillRef>
-          <a:effectRef idx="1">
-            <a:schemeClr val="accent1"/>
-          </a:effectRef>
-          <a:fontRef idx="minor">
-            <a:schemeClr val="dk1"/>
-          </a:fontRef>
-        </p:style>
-        <p:txBody>
-          <a:bodyPr rtlCol="0" anchor="ctr"/>
-          <a:lstStyle/>
-          <a:p>
-            <a:pPr algn="ctr"/>
-            <a:endParaRPr lang="de-DE" dirty="0"/>
-          </a:p>
-        </p:txBody>
-      </p:sp>
-      <p:sp>
-        <p:nvSpPr>
-          <p:cNvPr id="23" name="Pfeil nach links 22"/>
-          <p:cNvSpPr/>
-          <p:nvPr/>
-        </p:nvSpPr>
-        <p:spPr>
-          <a:xfrm rot="10800000">
-            <a:off x="3203848" y="3861048"/>
-            <a:ext cx="504056" cy="288032"/>
-          </a:xfrm>
-          <a:prstGeom prst="leftArrow">
-            <a:avLst>
-              <a:gd name="adj1" fmla="val 50000"/>
-              <a:gd name="adj2" fmla="val 50000"/>
-            </a:avLst>
-          </a:prstGeom>
-        </p:spPr>
-        <p:style>
-          <a:lnRef idx="1">
-            <a:schemeClr val="accent1"/>
-          </a:lnRef>
-          <a:fillRef idx="2">
-            <a:schemeClr val="accent1"/>
-          </a:fillRef>
-          <a:effectRef idx="1">
-            <a:schemeClr val="accent1"/>
-          </a:effectRef>
-          <a:fontRef idx="minor">
-            <a:schemeClr val="dk1"/>
-          </a:fontRef>
-        </p:style>
-        <p:txBody>
-          <a:bodyPr rtlCol="0" anchor="ctr"/>
-          <a:lstStyle/>
-          <a:p>
-            <a:pPr algn="ctr"/>
-            <a:endParaRPr lang="de-DE"/>
+            <a:r>
+              <a:rPr lang="en-US" sz="2400" dirty="0" smtClean="0"/>
+              <a:t>RDF extension</a:t>
+            </a:r>
+            <a:endParaRPr lang="de-DE" sz="2400" dirty="0"/>
           </a:p>
         </p:txBody>
       </p:sp>
@@ -4744,263 +5190,59 @@
           <a:lstStyle/>
           <a:p>
             <a:r>
-              <a:rPr lang="de-DE" b="1" dirty="0" smtClean="0"/>
-              <a:t>Goals</a:t>
-            </a:r>
-            <a:endParaRPr lang="de-DE" b="1" dirty="0"/>
-          </a:p>
-        </p:txBody>
-      </p:sp>
-      <p:sp>
-        <p:nvSpPr>
-          <p:cNvPr id="3" name="Inhaltsplatzhalter 2"/>
-          <p:cNvSpPr>
-            <a:spLocks noGrp="1"/>
-          </p:cNvSpPr>
-          <p:nvPr>
-            <p:ph idx="1"/>
-          </p:nvPr>
-        </p:nvSpPr>
-        <p:spPr/>
-        <p:txBody>
-          <a:bodyPr/>
-          <a:lstStyle/>
-          <a:p>
-            <a:r>
-              <a:rPr lang="de-DE" dirty="0" smtClean="0"/>
-              <a:t>RDF </a:t>
-            </a:r>
-            <a:r>
-              <a:rPr lang="de-DE" dirty="0" err="1" smtClean="0"/>
-              <a:t>vocabulary</a:t>
-            </a:r>
-            <a:r>
-              <a:rPr lang="de-DE" dirty="0" smtClean="0"/>
-              <a:t> </a:t>
-            </a:r>
-            <a:r>
-              <a:rPr lang="de-DE" dirty="0" err="1" smtClean="0"/>
-              <a:t>for</a:t>
-            </a:r>
-            <a:r>
-              <a:rPr lang="de-DE" dirty="0" smtClean="0"/>
-              <a:t> </a:t>
-            </a:r>
-            <a:r>
-              <a:rPr lang="de-DE" dirty="0" err="1" smtClean="0"/>
-              <a:t>Salesforce</a:t>
-            </a:r>
-            <a:r>
-              <a:rPr lang="de-DE" dirty="0" smtClean="0"/>
-              <a:t> </a:t>
-            </a:r>
-            <a:r>
-              <a:rPr lang="de-DE" dirty="0" err="1" smtClean="0"/>
-              <a:t>data</a:t>
-            </a:r>
+              <a:rPr lang="en-US" b="1" dirty="0" smtClean="0"/>
+              <a:t>Perspective</a:t>
+            </a:r>
+            <a:endParaRPr lang="en-US" b="1" dirty="0"/>
+          </a:p>
+        </p:txBody>
+      </p:sp>
+      <p:sp>
+        <p:nvSpPr>
+          <p:cNvPr id="4" name="Datumsplatzhalter 3"/>
+          <p:cNvSpPr>
+            <a:spLocks noGrp="1"/>
+          </p:cNvSpPr>
+          <p:nvPr>
+            <p:ph type="dt" sz="half" idx="10"/>
+          </p:nvPr>
+        </p:nvSpPr>
+        <p:spPr/>
+        <p:txBody>
+          <a:bodyPr/>
+          <a:lstStyle/>
+          <a:p>
+            <a:fld id="{8D1346F0-E8D5-446D-A977-27CCD0D323D6}" type="datetime1">
+              <a:rPr lang="de-DE" smtClean="0"/>
+              <a:pPr/>
+              <a:t>05.05.2015</a:t>
+            </a:fld>
+            <a:endParaRPr lang="de-DE"/>
+          </a:p>
+        </p:txBody>
+      </p:sp>
+      <p:sp>
+        <p:nvSpPr>
+          <p:cNvPr id="5" name="Fußzeilenplatzhalter 4"/>
+          <p:cNvSpPr>
+            <a:spLocks noGrp="1"/>
+          </p:cNvSpPr>
+          <p:nvPr>
+            <p:ph type="ftr" sz="quarter" idx="11"/>
+          </p:nvPr>
+        </p:nvSpPr>
+        <p:spPr/>
+        <p:txBody>
+          <a:bodyPr/>
+          <a:lstStyle/>
+          <a:p>
             <a:endParaRPr lang="de-DE" dirty="0" smtClean="0"/>
           </a:p>
-          <a:p>
-            <a:r>
-              <a:rPr lang="de-DE" dirty="0" smtClean="0"/>
-              <a:t>Tool </a:t>
-            </a:r>
-            <a:r>
-              <a:rPr lang="de-DE" dirty="0" err="1" smtClean="0"/>
-              <a:t>to</a:t>
-            </a:r>
-            <a:r>
-              <a:rPr lang="de-DE" dirty="0" smtClean="0"/>
-              <a:t> </a:t>
-            </a:r>
-            <a:r>
-              <a:rPr lang="de-DE" dirty="0" err="1" smtClean="0"/>
-              <a:t>bridge</a:t>
-            </a:r>
-            <a:r>
-              <a:rPr lang="de-DE" dirty="0" smtClean="0"/>
-              <a:t> </a:t>
-            </a:r>
-            <a:r>
-              <a:rPr lang="de-DE" dirty="0" err="1" smtClean="0"/>
-              <a:t>between</a:t>
-            </a:r>
-            <a:r>
-              <a:rPr lang="de-DE" dirty="0" smtClean="0"/>
-              <a:t> RDF </a:t>
-            </a:r>
-            <a:r>
-              <a:rPr lang="de-DE" dirty="0" err="1" smtClean="0"/>
-              <a:t>and</a:t>
-            </a:r>
-            <a:r>
-              <a:rPr lang="de-DE" dirty="0" smtClean="0"/>
-              <a:t> </a:t>
-            </a:r>
-            <a:r>
-              <a:rPr lang="de-DE" dirty="0" err="1" smtClean="0"/>
-              <a:t>Salesforce</a:t>
-            </a:r>
-            <a:endParaRPr lang="de-DE" dirty="0" smtClean="0"/>
-          </a:p>
-          <a:p>
-            <a:pPr lvl="1"/>
-            <a:r>
-              <a:rPr lang="de-DE" dirty="0" err="1" smtClean="0"/>
-              <a:t>read</a:t>
-            </a:r>
-            <a:r>
-              <a:rPr lang="de-DE" dirty="0" smtClean="0"/>
-              <a:t> </a:t>
-            </a:r>
-            <a:r>
-              <a:rPr lang="de-DE" dirty="0" err="1" smtClean="0"/>
-              <a:t>Salesforce</a:t>
-            </a:r>
-            <a:r>
-              <a:rPr lang="de-DE" dirty="0" smtClean="0"/>
-              <a:t> </a:t>
-            </a:r>
-            <a:r>
-              <a:rPr lang="de-DE" dirty="0" err="1" smtClean="0"/>
-              <a:t>data</a:t>
-            </a:r>
-            <a:r>
-              <a:rPr lang="de-DE" dirty="0" smtClean="0"/>
-              <a:t>	</a:t>
-            </a:r>
-          </a:p>
-          <a:p>
-            <a:pPr lvl="1"/>
-            <a:r>
-              <a:rPr lang="de-DE" dirty="0" err="1" smtClean="0"/>
-              <a:t>transfrom</a:t>
-            </a:r>
-            <a:r>
-              <a:rPr lang="de-DE" dirty="0" smtClean="0"/>
-              <a:t> </a:t>
-            </a:r>
-            <a:r>
-              <a:rPr lang="de-DE" dirty="0" err="1" smtClean="0"/>
-              <a:t>between</a:t>
-            </a:r>
-            <a:r>
-              <a:rPr lang="de-DE" dirty="0" smtClean="0"/>
-              <a:t> RDF </a:t>
-            </a:r>
-            <a:r>
-              <a:rPr lang="de-DE" dirty="0" err="1" smtClean="0"/>
-              <a:t>and</a:t>
-            </a:r>
-            <a:r>
-              <a:rPr lang="de-DE" dirty="0" smtClean="0"/>
-              <a:t> </a:t>
-            </a:r>
-            <a:r>
-              <a:rPr lang="de-DE" dirty="0" err="1" smtClean="0"/>
-              <a:t>Salesforce</a:t>
-            </a:r>
-            <a:r>
-              <a:rPr lang="de-DE" dirty="0" smtClean="0"/>
-              <a:t> </a:t>
-            </a:r>
-            <a:r>
-              <a:rPr lang="de-DE" dirty="0" err="1" smtClean="0"/>
-              <a:t>data</a:t>
-            </a:r>
-            <a:endParaRPr lang="de-DE" dirty="0"/>
-          </a:p>
-          <a:p>
-            <a:pPr lvl="1"/>
-            <a:r>
-              <a:rPr lang="de-DE" dirty="0" err="1" smtClean="0"/>
-              <a:t>write</a:t>
-            </a:r>
-            <a:r>
-              <a:rPr lang="de-DE" dirty="0" smtClean="0"/>
-              <a:t> </a:t>
-            </a:r>
-            <a:r>
-              <a:rPr lang="de-DE" dirty="0" err="1" smtClean="0"/>
-              <a:t>Salesforce</a:t>
-            </a:r>
-            <a:r>
-              <a:rPr lang="de-DE" dirty="0" smtClean="0"/>
-              <a:t> </a:t>
-            </a:r>
-            <a:r>
-              <a:rPr lang="de-DE" dirty="0" err="1" smtClean="0"/>
-              <a:t>data</a:t>
-            </a:r>
-            <a:endParaRPr lang="de-DE" dirty="0"/>
-          </a:p>
-          <a:p>
-            <a:r>
-              <a:rPr lang="de-DE" dirty="0" err="1" smtClean="0"/>
-              <a:t>Smal</a:t>
-            </a:r>
-            <a:r>
-              <a:rPr lang="de-DE" dirty="0" smtClean="0"/>
-              <a:t> </a:t>
-            </a:r>
-            <a:r>
-              <a:rPr lang="de-DE" dirty="0" err="1" smtClean="0"/>
-              <a:t>test</a:t>
-            </a:r>
-            <a:r>
-              <a:rPr lang="de-DE" dirty="0" smtClean="0"/>
-              <a:t> </a:t>
-            </a:r>
-            <a:r>
-              <a:rPr lang="de-DE" dirty="0" err="1" smtClean="0"/>
-              <a:t>scenarios</a:t>
-            </a:r>
-            <a:r>
-              <a:rPr lang="de-DE" dirty="0" smtClean="0"/>
-              <a:t> </a:t>
-            </a:r>
-            <a:r>
-              <a:rPr lang="de-DE" dirty="0" err="1" smtClean="0"/>
-              <a:t>for</a:t>
-            </a:r>
-            <a:r>
-              <a:rPr lang="de-DE" dirty="0" smtClean="0"/>
-              <a:t> </a:t>
-            </a:r>
-            <a:r>
-              <a:rPr lang="de-DE" dirty="0" err="1" smtClean="0"/>
-              <a:t>validation</a:t>
-            </a:r>
-            <a:endParaRPr lang="de-DE" dirty="0" smtClean="0"/>
-          </a:p>
-        </p:txBody>
-      </p:sp>
-      <p:sp>
-        <p:nvSpPr>
-          <p:cNvPr id="4" name="Datumsplatzhalter 3"/>
-          <p:cNvSpPr>
-            <a:spLocks noGrp="1"/>
-          </p:cNvSpPr>
-          <p:nvPr>
-            <p:ph type="dt" sz="half" idx="10"/>
-          </p:nvPr>
-        </p:nvSpPr>
-        <p:spPr/>
-        <p:txBody>
-          <a:bodyPr/>
-          <a:lstStyle/>
-          <a:p>
-            <a:fld id="{CEBAF93D-8A28-4F20-BDF6-9BA1EAF47DD5}" type="datetime1">
-              <a:rPr lang="de-DE" smtClean="0"/>
-              <a:t>28.04.2015</a:t>
-            </a:fld>
-            <a:endParaRPr lang="de-DE"/>
-          </a:p>
-        </p:txBody>
-      </p:sp>
-      <p:sp>
-        <p:nvSpPr>
-          <p:cNvPr id="5" name="Foliennummernplatzhalter 4"/>
+        </p:txBody>
+      </p:sp>
+      <p:sp>
+        <p:nvSpPr>
+          <p:cNvPr id="6" name="Foliennummernplatzhalter 5"/>
           <p:cNvSpPr>
             <a:spLocks noGrp="1"/>
           </p:cNvSpPr>
@@ -5024,20 +5266,55 @@
       </p:sp>
       <p:sp>
         <p:nvSpPr>
-          <p:cNvPr id="7" name="Fußzeilenplatzhalter 6"/>
-          <p:cNvSpPr>
-            <a:spLocks noGrp="1"/>
-          </p:cNvSpPr>
-          <p:nvPr>
-            <p:ph type="ftr" sz="quarter" idx="11"/>
-          </p:nvPr>
-        </p:nvSpPr>
-        <p:spPr/>
-        <p:txBody>
-          <a:bodyPr/>
-          <a:lstStyle/>
-          <a:p>
-            <a:endParaRPr lang="de-DE" dirty="0"/>
+          <p:cNvPr id="21" name="Inhaltsplatzhalter 20"/>
+          <p:cNvSpPr>
+            <a:spLocks noGrp="1"/>
+          </p:cNvSpPr>
+          <p:nvPr>
+            <p:ph idx="1"/>
+          </p:nvPr>
+        </p:nvSpPr>
+        <p:spPr/>
+        <p:txBody>
+          <a:bodyPr/>
+          <a:lstStyle/>
+          <a:p>
+            <a:r>
+              <a:rPr lang="en-US" dirty="0" smtClean="0"/>
+              <a:t>Salesforce API is too big</a:t>
+            </a:r>
+          </a:p>
+          <a:p>
+            <a:pPr lvl="1"/>
+            <a:r>
+              <a:rPr lang="en-US" dirty="0" smtClean="0"/>
+              <a:t>17 separated data models</a:t>
+            </a:r>
+          </a:p>
+          <a:p>
+            <a:pPr lvl="1"/>
+            <a:r>
+              <a:rPr lang="en-US" dirty="0" smtClean="0"/>
+              <a:t>440 different objects</a:t>
+            </a:r>
+          </a:p>
+          <a:p>
+            <a:pPr lvl="1"/>
+            <a:r>
+              <a:rPr lang="en-US" dirty="0" smtClean="0"/>
+              <a:t>68 calls</a:t>
+            </a:r>
+            <a:endParaRPr lang="de-DE" dirty="0" smtClean="0"/>
+          </a:p>
+          <a:p>
+            <a:r>
+              <a:rPr lang="en-US" dirty="0" smtClean="0"/>
+              <a:t>Concentrate on core model: </a:t>
+            </a:r>
+            <a:r>
+              <a:rPr lang="en-US" b="1" dirty="0" smtClean="0"/>
+              <a:t>Sales Objects</a:t>
+            </a:r>
           </a:p>
         </p:txBody>
       </p:sp>
@@ -5053,6 +5330,718 @@
       </p:par>
     </p:tnLst>
   </p:timing>
+</p:sld>
+</file>
+
+<file path=ppt/slides/slide6.xml><?xml version="1.0" encoding="utf-8"?>
+<p:sld xmlns:a="http://schemas.openxmlformats.org/drawingml/2006/main" xmlns:r="http://schemas.openxmlformats.org/officeDocument/2006/relationships" xmlns:p="http://schemas.openxmlformats.org/presentationml/2006/main">
+  <p:cSld>
+    <p:spTree>
+      <p:nvGrpSpPr>
+        <p:cNvPr id="1" name=""/>
+        <p:cNvGrpSpPr/>
+        <p:nvPr/>
+      </p:nvGrpSpPr>
+      <p:grpSpPr>
+        <a:xfrm>
+          <a:off x="0" y="0"/>
+          <a:ext cx="0" cy="0"/>
+          <a:chOff x="0" y="0"/>
+          <a:chExt cx="0" cy="0"/>
+        </a:xfrm>
+      </p:grpSpPr>
+      <p:pic>
+        <p:nvPicPr>
+          <p:cNvPr id="7" name="Inhaltsplatzhalter 6" descr="sforce_major_objects.png"/>
+          <p:cNvPicPr>
+            <a:picLocks noGrp="1" noChangeAspect="1"/>
+          </p:cNvPicPr>
+          <p:nvPr>
+            <p:ph idx="1"/>
+          </p:nvPr>
+        </p:nvPicPr>
+        <p:blipFill>
+          <a:blip r:embed="rId3" cstate="print"/>
+          <a:stretch>
+            <a:fillRect/>
+          </a:stretch>
+        </p:blipFill>
+        <p:spPr>
+          <a:xfrm>
+            <a:off x="2123728" y="1412776"/>
+            <a:ext cx="4387786" cy="4452887"/>
+          </a:xfrm>
+        </p:spPr>
+      </p:pic>
+      <p:sp>
+        <p:nvSpPr>
+          <p:cNvPr id="2" name="Titel 1"/>
+          <p:cNvSpPr>
+            <a:spLocks noGrp="1"/>
+          </p:cNvSpPr>
+          <p:nvPr>
+            <p:ph type="title"/>
+          </p:nvPr>
+        </p:nvSpPr>
+        <p:spPr/>
+        <p:txBody>
+          <a:bodyPr/>
+          <a:lstStyle/>
+          <a:p>
+            <a:r>
+              <a:rPr lang="en-US" b="1" dirty="0" smtClean="0"/>
+              <a:t>Perspective</a:t>
+            </a:r>
+            <a:endParaRPr lang="en-US" b="1" dirty="0"/>
+          </a:p>
+        </p:txBody>
+      </p:sp>
+      <p:sp>
+        <p:nvSpPr>
+          <p:cNvPr id="4" name="Datumsplatzhalter 3"/>
+          <p:cNvSpPr>
+            <a:spLocks noGrp="1"/>
+          </p:cNvSpPr>
+          <p:nvPr>
+            <p:ph type="dt" sz="half" idx="10"/>
+          </p:nvPr>
+        </p:nvSpPr>
+        <p:spPr/>
+        <p:txBody>
+          <a:bodyPr/>
+          <a:lstStyle/>
+          <a:p>
+            <a:fld id="{8D1346F0-E8D5-446D-A977-27CCD0D323D6}" type="datetime1">
+              <a:rPr lang="de-DE" smtClean="0"/>
+              <a:pPr/>
+              <a:t>05.05.2015</a:t>
+            </a:fld>
+            <a:endParaRPr lang="de-DE"/>
+          </a:p>
+        </p:txBody>
+      </p:sp>
+      <p:sp>
+        <p:nvSpPr>
+          <p:cNvPr id="5" name="Fußzeilenplatzhalter 4"/>
+          <p:cNvSpPr>
+            <a:spLocks noGrp="1"/>
+          </p:cNvSpPr>
+          <p:nvPr>
+            <p:ph type="ftr" sz="quarter" idx="11"/>
+          </p:nvPr>
+        </p:nvSpPr>
+        <p:spPr/>
+        <p:txBody>
+          <a:bodyPr/>
+          <a:lstStyle/>
+          <a:p>
+            <a:endParaRPr lang="de-DE" dirty="0" smtClean="0"/>
+          </a:p>
+        </p:txBody>
+      </p:sp>
+      <p:sp>
+        <p:nvSpPr>
+          <p:cNvPr id="6" name="Foliennummernplatzhalter 5"/>
+          <p:cNvSpPr>
+            <a:spLocks noGrp="1"/>
+          </p:cNvSpPr>
+          <p:nvPr>
+            <p:ph type="sldNum" sz="quarter" idx="12"/>
+          </p:nvPr>
+        </p:nvSpPr>
+        <p:spPr/>
+        <p:txBody>
+          <a:bodyPr/>
+          <a:lstStyle/>
+          <a:p>
+            <a:fld id="{6C6AE60A-B69C-4790-82F7-3882EDF23186}" type="slidenum">
+              <a:rPr lang="de-DE" smtClean="0"/>
+              <a:pPr/>
+              <a:t>6</a:t>
+            </a:fld>
+            <a:endParaRPr lang="de-DE"/>
+          </a:p>
+        </p:txBody>
+      </p:sp>
+      <p:sp>
+        <p:nvSpPr>
+          <p:cNvPr id="8" name="Textfeld 7"/>
+          <p:cNvSpPr txBox="1"/>
+          <p:nvPr/>
+        </p:nvSpPr>
+        <p:spPr>
+          <a:xfrm>
+            <a:off x="1979712" y="5877272"/>
+            <a:ext cx="4752528" cy="369332"/>
+          </a:xfrm>
+          <a:prstGeom prst="rect">
+            <a:avLst/>
+          </a:prstGeom>
+          <a:noFill/>
+        </p:spPr>
+        <p:txBody>
+          <a:bodyPr wrap="square" rtlCol="0">
+            <a:spAutoFit/>
+          </a:bodyPr>
+          <a:lstStyle/>
+          <a:p>
+            <a:pPr algn="ctr"/>
+            <a:r>
+              <a:rPr lang="en-US" dirty="0" smtClean="0"/>
+              <a:t>Data Model of Sales Objects in Salesforce API</a:t>
+            </a:r>
+            <a:endParaRPr lang="de-DE" dirty="0"/>
+          </a:p>
+        </p:txBody>
+      </p:sp>
+    </p:spTree>
+  </p:cSld>
+  <p:clrMapOvr>
+    <a:masterClrMapping/>
+  </p:clrMapOvr>
+  <p:timing>
+    <p:tnLst>
+      <p:par>
+        <p:cTn id="1" dur="indefinite" restart="never" nodeType="tmRoot"/>
+      </p:par>
+    </p:tnLst>
+  </p:timing>
+</p:sld>
+</file>
+
+<file path=ppt/slides/slide7.xml><?xml version="1.0" encoding="utf-8"?>
+<p:sld xmlns:a="http://schemas.openxmlformats.org/drawingml/2006/main" xmlns:r="http://schemas.openxmlformats.org/officeDocument/2006/relationships" xmlns:p="http://schemas.openxmlformats.org/presentationml/2006/main">
+  <p:cSld>
+    <p:spTree>
+      <p:nvGrpSpPr>
+        <p:cNvPr id="1" name=""/>
+        <p:cNvGrpSpPr/>
+        <p:nvPr/>
+      </p:nvGrpSpPr>
+      <p:grpSpPr>
+        <a:xfrm>
+          <a:off x="0" y="0"/>
+          <a:ext cx="0" cy="0"/>
+          <a:chOff x="0" y="0"/>
+          <a:chExt cx="0" cy="0"/>
+        </a:xfrm>
+      </p:grpSpPr>
+      <p:sp>
+        <p:nvSpPr>
+          <p:cNvPr id="2" name="Titel 1"/>
+          <p:cNvSpPr>
+            <a:spLocks noGrp="1"/>
+          </p:cNvSpPr>
+          <p:nvPr>
+            <p:ph type="title"/>
+          </p:nvPr>
+        </p:nvSpPr>
+        <p:spPr/>
+        <p:txBody>
+          <a:bodyPr/>
+          <a:lstStyle/>
+          <a:p>
+            <a:r>
+              <a:rPr lang="en-US" b="1" dirty="0" smtClean="0"/>
+              <a:t>Functional</a:t>
+            </a:r>
+            <a:endParaRPr lang="en-US" b="1" dirty="0"/>
+          </a:p>
+        </p:txBody>
+      </p:sp>
+      <p:sp>
+        <p:nvSpPr>
+          <p:cNvPr id="3" name="Inhaltsplatzhalter 2"/>
+          <p:cNvSpPr>
+            <a:spLocks noGrp="1"/>
+          </p:cNvSpPr>
+          <p:nvPr>
+            <p:ph idx="1"/>
+          </p:nvPr>
+        </p:nvSpPr>
+        <p:spPr/>
+        <p:txBody>
+          <a:bodyPr/>
+          <a:lstStyle/>
+          <a:p>
+            <a:r>
+              <a:rPr lang="en-US" dirty="0" smtClean="0"/>
+              <a:t>Export Sales Objects</a:t>
+            </a:r>
+          </a:p>
+          <a:p>
+            <a:r>
+              <a:rPr lang="en-US" dirty="0" smtClean="0"/>
+              <a:t>Import Sales Objects</a:t>
+            </a:r>
+          </a:p>
+          <a:p>
+            <a:r>
+              <a:rPr lang="en-US" dirty="0" smtClean="0"/>
+              <a:t>Transform Sales Objects to RDF</a:t>
+            </a:r>
+          </a:p>
+          <a:p>
+            <a:r>
+              <a:rPr lang="en-US" dirty="0" smtClean="0"/>
+              <a:t>Transform RDF to </a:t>
+            </a:r>
+            <a:r>
+              <a:rPr lang="en-US" dirty="0" smtClean="0"/>
+              <a:t>Sales Objects</a:t>
+            </a:r>
+            <a:endParaRPr lang="de-DE" dirty="0" smtClean="0"/>
+          </a:p>
+          <a:p>
+            <a:endParaRPr lang="de-DE" dirty="0"/>
+          </a:p>
+        </p:txBody>
+      </p:sp>
+      <p:sp>
+        <p:nvSpPr>
+          <p:cNvPr id="4" name="Datumsplatzhalter 3"/>
+          <p:cNvSpPr>
+            <a:spLocks noGrp="1"/>
+          </p:cNvSpPr>
+          <p:nvPr>
+            <p:ph type="dt" sz="half" idx="10"/>
+          </p:nvPr>
+        </p:nvSpPr>
+        <p:spPr/>
+        <p:txBody>
+          <a:bodyPr/>
+          <a:lstStyle/>
+          <a:p>
+            <a:fld id="{8D1346F0-E8D5-446D-A977-27CCD0D323D6}" type="datetime1">
+              <a:rPr lang="de-DE" smtClean="0"/>
+              <a:pPr/>
+              <a:t>05.05.2015</a:t>
+            </a:fld>
+            <a:endParaRPr lang="de-DE"/>
+          </a:p>
+        </p:txBody>
+      </p:sp>
+      <p:sp>
+        <p:nvSpPr>
+          <p:cNvPr id="5" name="Fußzeilenplatzhalter 4"/>
+          <p:cNvSpPr>
+            <a:spLocks noGrp="1"/>
+          </p:cNvSpPr>
+          <p:nvPr>
+            <p:ph type="ftr" sz="quarter" idx="11"/>
+          </p:nvPr>
+        </p:nvSpPr>
+        <p:spPr/>
+        <p:txBody>
+          <a:bodyPr/>
+          <a:lstStyle/>
+          <a:p>
+            <a:endParaRPr lang="de-DE" dirty="0" smtClean="0"/>
+          </a:p>
+        </p:txBody>
+      </p:sp>
+      <p:sp>
+        <p:nvSpPr>
+          <p:cNvPr id="6" name="Foliennummernplatzhalter 5"/>
+          <p:cNvSpPr>
+            <a:spLocks noGrp="1"/>
+          </p:cNvSpPr>
+          <p:nvPr>
+            <p:ph type="sldNum" sz="quarter" idx="12"/>
+          </p:nvPr>
+        </p:nvSpPr>
+        <p:spPr/>
+        <p:txBody>
+          <a:bodyPr/>
+          <a:lstStyle/>
+          <a:p>
+            <a:fld id="{6C6AE60A-B69C-4790-82F7-3882EDF23186}" type="slidenum">
+              <a:rPr lang="de-DE" smtClean="0"/>
+              <a:pPr/>
+              <a:t>7</a:t>
+            </a:fld>
+            <a:endParaRPr lang="de-DE"/>
+          </a:p>
+        </p:txBody>
+      </p:sp>
+    </p:spTree>
+  </p:cSld>
+  <p:clrMapOvr>
+    <a:masterClrMapping/>
+  </p:clrMapOvr>
+  <p:timing>
+    <p:tnLst>
+      <p:par>
+        <p:cTn id="1" dur="indefinite" restart="never" nodeType="tmRoot"/>
+      </p:par>
+    </p:tnLst>
+  </p:timing>
+</p:sld>
+</file>
+
+<file path=ppt/slides/slide8.xml><?xml version="1.0" encoding="utf-8"?>
+<p:sld xmlns:a="http://schemas.openxmlformats.org/drawingml/2006/main" xmlns:r="http://schemas.openxmlformats.org/officeDocument/2006/relationships" xmlns:p="http://schemas.openxmlformats.org/presentationml/2006/main">
+  <p:cSld>
+    <p:spTree>
+      <p:nvGrpSpPr>
+        <p:cNvPr id="1" name=""/>
+        <p:cNvGrpSpPr/>
+        <p:nvPr/>
+      </p:nvGrpSpPr>
+      <p:grpSpPr>
+        <a:xfrm>
+          <a:off x="0" y="0"/>
+          <a:ext cx="0" cy="0"/>
+          <a:chOff x="0" y="0"/>
+          <a:chExt cx="0" cy="0"/>
+        </a:xfrm>
+      </p:grpSpPr>
+      <p:sp>
+        <p:nvSpPr>
+          <p:cNvPr id="2" name="Titel 1"/>
+          <p:cNvSpPr>
+            <a:spLocks noGrp="1"/>
+          </p:cNvSpPr>
+          <p:nvPr>
+            <p:ph type="title"/>
+          </p:nvPr>
+        </p:nvSpPr>
+        <p:spPr/>
+        <p:txBody>
+          <a:bodyPr/>
+          <a:lstStyle/>
+          <a:p>
+            <a:r>
+              <a:rPr lang="en-US" b="1" dirty="0" smtClean="0"/>
+              <a:t>Nonfunctional</a:t>
+            </a:r>
+            <a:endParaRPr lang="en-US" b="1" dirty="0"/>
+          </a:p>
+        </p:txBody>
+      </p:sp>
+      <p:sp>
+        <p:nvSpPr>
+          <p:cNvPr id="3" name="Inhaltsplatzhalter 2"/>
+          <p:cNvSpPr>
+            <a:spLocks noGrp="1"/>
+          </p:cNvSpPr>
+          <p:nvPr>
+            <p:ph idx="1"/>
+          </p:nvPr>
+        </p:nvSpPr>
+        <p:spPr/>
+        <p:txBody>
+          <a:bodyPr/>
+          <a:lstStyle/>
+          <a:p>
+            <a:r>
+              <a:rPr lang="de-DE" dirty="0" smtClean="0"/>
+              <a:t>Performance</a:t>
+            </a:r>
+          </a:p>
+          <a:p>
+            <a:pPr lvl="1"/>
+            <a:r>
+              <a:rPr lang="de-DE" dirty="0" smtClean="0"/>
+              <a:t>API </a:t>
+            </a:r>
+            <a:r>
+              <a:rPr lang="en-US" dirty="0" smtClean="0"/>
+              <a:t>limitations</a:t>
+            </a:r>
+          </a:p>
+          <a:p>
+            <a:pPr lvl="1"/>
+            <a:r>
+              <a:rPr lang="de-DE" dirty="0" smtClean="0"/>
+              <a:t>Response time </a:t>
+            </a:r>
+            <a:r>
+              <a:rPr lang="en-US" dirty="0" smtClean="0"/>
+              <a:t>of requests &lt; 5 sec</a:t>
+            </a:r>
+          </a:p>
+          <a:p>
+            <a:r>
+              <a:rPr lang="en-US" dirty="0" smtClean="0"/>
+              <a:t>Interoperability</a:t>
+            </a:r>
+          </a:p>
+          <a:p>
+            <a:pPr lvl="1"/>
+            <a:r>
+              <a:rPr lang="en-US" dirty="0" smtClean="0"/>
+              <a:t>provided as a web service</a:t>
+            </a:r>
+          </a:p>
+          <a:p>
+            <a:r>
+              <a:rPr lang="en-US" dirty="0" smtClean="0"/>
+              <a:t>Usability</a:t>
+            </a:r>
+          </a:p>
+          <a:p>
+            <a:pPr lvl="1"/>
+            <a:r>
+              <a:rPr lang="en-US" dirty="0" smtClean="0"/>
+              <a:t>similar to salesforce (terms and workflows)</a:t>
+            </a:r>
+          </a:p>
+          <a:p>
+            <a:pPr lvl="1"/>
+            <a:endParaRPr lang="en-US" dirty="0" smtClean="0"/>
+          </a:p>
+          <a:p>
+            <a:pPr lvl="1"/>
+            <a:endParaRPr lang="en-US" dirty="0" smtClean="0"/>
+          </a:p>
+          <a:p>
+            <a:pPr lvl="1"/>
+            <a:endParaRPr lang="de-DE" dirty="0"/>
+          </a:p>
+        </p:txBody>
+      </p:sp>
+      <p:sp>
+        <p:nvSpPr>
+          <p:cNvPr id="4" name="Datumsplatzhalter 3"/>
+          <p:cNvSpPr>
+            <a:spLocks noGrp="1"/>
+          </p:cNvSpPr>
+          <p:nvPr>
+            <p:ph type="dt" sz="half" idx="10"/>
+          </p:nvPr>
+        </p:nvSpPr>
+        <p:spPr/>
+        <p:txBody>
+          <a:bodyPr/>
+          <a:lstStyle/>
+          <a:p>
+            <a:fld id="{8D1346F0-E8D5-446D-A977-27CCD0D323D6}" type="datetime1">
+              <a:rPr lang="de-DE" smtClean="0"/>
+              <a:pPr/>
+              <a:t>05.05.2015</a:t>
+            </a:fld>
+            <a:endParaRPr lang="de-DE"/>
+          </a:p>
+        </p:txBody>
+      </p:sp>
+      <p:sp>
+        <p:nvSpPr>
+          <p:cNvPr id="5" name="Fußzeilenplatzhalter 4"/>
+          <p:cNvSpPr>
+            <a:spLocks noGrp="1"/>
+          </p:cNvSpPr>
+          <p:nvPr>
+            <p:ph type="ftr" sz="quarter" idx="11"/>
+          </p:nvPr>
+        </p:nvSpPr>
+        <p:spPr/>
+        <p:txBody>
+          <a:bodyPr/>
+          <a:lstStyle/>
+          <a:p>
+            <a:endParaRPr lang="de-DE" dirty="0" smtClean="0"/>
+          </a:p>
+        </p:txBody>
+      </p:sp>
+      <p:sp>
+        <p:nvSpPr>
+          <p:cNvPr id="6" name="Foliennummernplatzhalter 5"/>
+          <p:cNvSpPr>
+            <a:spLocks noGrp="1"/>
+          </p:cNvSpPr>
+          <p:nvPr>
+            <p:ph type="sldNum" sz="quarter" idx="12"/>
+          </p:nvPr>
+        </p:nvSpPr>
+        <p:spPr/>
+        <p:txBody>
+          <a:bodyPr/>
+          <a:lstStyle/>
+          <a:p>
+            <a:fld id="{6C6AE60A-B69C-4790-82F7-3882EDF23186}" type="slidenum">
+              <a:rPr lang="de-DE" smtClean="0"/>
+              <a:pPr/>
+              <a:t>8</a:t>
+            </a:fld>
+            <a:endParaRPr lang="de-DE"/>
+          </a:p>
+        </p:txBody>
+      </p:sp>
+    </p:spTree>
+  </p:cSld>
+  <p:clrMapOvr>
+    <a:masterClrMapping/>
+  </p:clrMapOvr>
+  <p:timing>
+    <p:tnLst>
+      <p:par>
+        <p:cTn id="1" dur="indefinite" restart="never" nodeType="tmRoot"/>
+      </p:par>
+    </p:tnLst>
+  </p:timing>
+</p:sld>
+</file>
+
+<file path=ppt/slides/slide9.xml><?xml version="1.0" encoding="utf-8"?>
+<p:sld xmlns:a="http://schemas.openxmlformats.org/drawingml/2006/main" xmlns:r="http://schemas.openxmlformats.org/officeDocument/2006/relationships" xmlns:p="http://schemas.openxmlformats.org/presentationml/2006/main">
+  <p:cSld>
+    <p:spTree>
+      <p:nvGrpSpPr>
+        <p:cNvPr id="1" name=""/>
+        <p:cNvGrpSpPr/>
+        <p:nvPr/>
+      </p:nvGrpSpPr>
+      <p:grpSpPr>
+        <a:xfrm>
+          <a:off x="0" y="0"/>
+          <a:ext cx="0" cy="0"/>
+          <a:chOff x="0" y="0"/>
+          <a:chExt cx="0" cy="0"/>
+        </a:xfrm>
+      </p:grpSpPr>
+      <p:sp>
+        <p:nvSpPr>
+          <p:cNvPr id="2" name="Titel 1"/>
+          <p:cNvSpPr>
+            <a:spLocks noGrp="1"/>
+          </p:cNvSpPr>
+          <p:nvPr>
+            <p:ph type="title"/>
+          </p:nvPr>
+        </p:nvSpPr>
+        <p:spPr/>
+        <p:txBody>
+          <a:bodyPr/>
+          <a:lstStyle/>
+          <a:p>
+            <a:r>
+              <a:rPr lang="en-US" b="1" dirty="0" smtClean="0"/>
+              <a:t>Constraints</a:t>
+            </a:r>
+            <a:endParaRPr lang="en-US" b="1" dirty="0"/>
+          </a:p>
+        </p:txBody>
+      </p:sp>
+      <p:sp>
+        <p:nvSpPr>
+          <p:cNvPr id="3" name="Inhaltsplatzhalter 2"/>
+          <p:cNvSpPr>
+            <a:spLocks noGrp="1"/>
+          </p:cNvSpPr>
+          <p:nvPr>
+            <p:ph idx="1"/>
+          </p:nvPr>
+        </p:nvSpPr>
+        <p:spPr/>
+        <p:txBody>
+          <a:bodyPr/>
+          <a:lstStyle/>
+          <a:p>
+            <a:r>
+              <a:rPr lang="en-US" dirty="0" smtClean="0"/>
+              <a:t>Salesforce account</a:t>
+            </a:r>
+          </a:p>
+          <a:p>
+            <a:r>
+              <a:rPr lang="en-US" dirty="0" smtClean="0"/>
+              <a:t>Salesforce API constraints</a:t>
+            </a:r>
+          </a:p>
+          <a:p>
+            <a:r>
+              <a:rPr lang="en-US" dirty="0" smtClean="0"/>
+              <a:t>Salesforce data structure</a:t>
+            </a:r>
+          </a:p>
+          <a:p>
+            <a:r>
+              <a:rPr lang="en-US" dirty="0" smtClean="0"/>
+              <a:t>Library for processing RDF</a:t>
+            </a:r>
+          </a:p>
+          <a:p>
+            <a:r>
+              <a:rPr lang="en-US" dirty="0" smtClean="0"/>
+              <a:t>Java</a:t>
+            </a:r>
+            <a:endParaRPr lang="de-DE" dirty="0"/>
+          </a:p>
+        </p:txBody>
+      </p:sp>
+      <p:sp>
+        <p:nvSpPr>
+          <p:cNvPr id="4" name="Datumsplatzhalter 3"/>
+          <p:cNvSpPr>
+            <a:spLocks noGrp="1"/>
+          </p:cNvSpPr>
+          <p:nvPr>
+            <p:ph type="dt" sz="half" idx="10"/>
+          </p:nvPr>
+        </p:nvSpPr>
+        <p:spPr/>
+        <p:txBody>
+          <a:bodyPr/>
+          <a:lstStyle/>
+          <a:p>
+            <a:fld id="{8D1346F0-E8D5-446D-A977-27CCD0D323D6}" type="datetime1">
+              <a:rPr lang="de-DE" smtClean="0"/>
+              <a:pPr/>
+              <a:t>05.05.2015</a:t>
+            </a:fld>
+            <a:endParaRPr lang="de-DE"/>
+          </a:p>
+        </p:txBody>
+      </p:sp>
+      <p:sp>
+        <p:nvSpPr>
+          <p:cNvPr id="5" name="Fußzeilenplatzhalter 4"/>
+          <p:cNvSpPr>
+            <a:spLocks noGrp="1"/>
+          </p:cNvSpPr>
+          <p:nvPr>
+            <p:ph type="ftr" sz="quarter" idx="11"/>
+          </p:nvPr>
+        </p:nvSpPr>
+        <p:spPr/>
+        <p:txBody>
+          <a:bodyPr/>
+          <a:lstStyle/>
+          <a:p>
+            <a:endParaRPr lang="de-DE" dirty="0" smtClean="0"/>
+          </a:p>
+        </p:txBody>
+      </p:sp>
+      <p:sp>
+        <p:nvSpPr>
+          <p:cNvPr id="6" name="Foliennummernplatzhalter 5"/>
+          <p:cNvSpPr>
+            <a:spLocks noGrp="1"/>
+          </p:cNvSpPr>
+          <p:nvPr>
+            <p:ph type="sldNum" sz="quarter" idx="12"/>
+          </p:nvPr>
+        </p:nvSpPr>
+        <p:spPr/>
+        <p:txBody>
+          <a:bodyPr/>
+          <a:lstStyle/>
+          <a:p>
+            <a:fld id="{6C6AE60A-B69C-4790-82F7-3882EDF23186}" type="slidenum">
+              <a:rPr lang="de-DE" smtClean="0"/>
+              <a:pPr/>
+              <a:t>9</a:t>
+            </a:fld>
+            <a:endParaRPr lang="de-DE"/>
+          </a:p>
+        </p:txBody>
+      </p:sp>
+    </p:spTree>
+  </p:cSld>
+  <p:clrMapOvr>
+    <a:masterClrMapping/>
+  </p:clrMapOvr>
 </p:sld>
 </file>
 
